--- a/SpatialComputing-P2.pptx
+++ b/SpatialComputing-P2.pptx
@@ -15,7 +15,7 @@
     <p:sldId id="262" r:id="rId10"/>
   </p:sldIdLst>
   <p:sldSz cx="9144000" cy="5143500"/>
-  <p:notesSz cx="6858000" cy="9144000"/>
+  <p:notesSz cx="7559675" cy="10691812"/>
 </p:presentation>
 </file>
 
@@ -60,7 +60,7 @@
       </p:grpSpPr>
       <p:sp>
         <p:nvSpPr>
-          <p:cNvPr id="30" name="PlaceHolder 1"/>
+          <p:cNvPr id="29" name="PlaceHolder 1"/>
           <p:cNvSpPr>
             <a:spLocks noGrp="1"/>
           </p:cNvSpPr>
@@ -70,8 +70,8 @@
         </p:nvSpPr>
         <p:spPr>
           <a:xfrm>
-            <a:off x="311760" y="410040"/>
-            <a:ext cx="8520120" cy="607320"/>
+            <a:off x="457200" y="205200"/>
+            <a:ext cx="8229240" cy="858600"/>
           </a:xfrm>
           <a:prstGeom prst="rect">
             <a:avLst/>
@@ -82,18 +82,16 @@
             <a:noAutofit/>
           </a:bodyPr>
           <a:p>
-            <a:endParaRPr b="0" lang="en-IN" sz="1400" spc="-1" strike="noStrike">
-              <a:solidFill>
-                <a:srgbClr val="000000"/>
-              </a:solidFill>
-              <a:latin typeface="Arial"/>
-            </a:endParaRPr>
-          </a:p>
-        </p:txBody>
-      </p:sp>
-      <p:sp>
-        <p:nvSpPr>
-          <p:cNvPr id="31" name="PlaceHolder 2"/>
+            <a:pPr algn="ctr"/>
+            <a:endParaRPr b="0" lang="en-IN" sz="4400" spc="-1" strike="noStrike">
+              <a:latin typeface="Arial"/>
+            </a:endParaRPr>
+          </a:p>
+        </p:txBody>
+      </p:sp>
+      <p:sp>
+        <p:nvSpPr>
+          <p:cNvPr id="30" name="PlaceHolder 2"/>
           <p:cNvSpPr>
             <a:spLocks noGrp="1"/>
           </p:cNvSpPr>
@@ -103,8 +101,8 @@
         </p:nvSpPr>
         <p:spPr>
           <a:xfrm>
-            <a:off x="311760" y="1229760"/>
-            <a:ext cx="8520120" cy="1592280"/>
+            <a:off x="457200" y="1203480"/>
+            <a:ext cx="8229240" cy="1422720"/>
           </a:xfrm>
           <a:prstGeom prst="rect">
             <a:avLst/>
@@ -115,18 +113,15 @@
             <a:normAutofit/>
           </a:bodyPr>
           <a:p>
-            <a:endParaRPr b="0" lang="en-IN" sz="1400" spc="-1" strike="noStrike">
-              <a:solidFill>
-                <a:srgbClr val="000000"/>
-              </a:solidFill>
-              <a:latin typeface="Arial"/>
-            </a:endParaRPr>
-          </a:p>
-        </p:txBody>
-      </p:sp>
-      <p:sp>
-        <p:nvSpPr>
-          <p:cNvPr id="32" name="PlaceHolder 3"/>
+            <a:endParaRPr b="0" lang="en-IN" sz="3200" spc="-1" strike="noStrike">
+              <a:latin typeface="Arial"/>
+            </a:endParaRPr>
+          </a:p>
+        </p:txBody>
+      </p:sp>
+      <p:sp>
+        <p:nvSpPr>
+          <p:cNvPr id="31" name="PlaceHolder 3"/>
           <p:cNvSpPr>
             <a:spLocks noGrp="1"/>
           </p:cNvSpPr>
@@ -136,8 +131,8 @@
         </p:nvSpPr>
         <p:spPr>
           <a:xfrm>
-            <a:off x="311760" y="2973600"/>
-            <a:ext cx="8520120" cy="1592280"/>
+            <a:off x="457200" y="2761920"/>
+            <a:ext cx="8229240" cy="1422720"/>
           </a:xfrm>
           <a:prstGeom prst="rect">
             <a:avLst/>
@@ -148,10 +143,7 @@
             <a:normAutofit/>
           </a:bodyPr>
           <a:p>
-            <a:endParaRPr b="0" lang="en-IN" sz="1400" spc="-1" strike="noStrike">
-              <a:solidFill>
-                <a:srgbClr val="000000"/>
-              </a:solidFill>
+            <a:endParaRPr b="0" lang="en-IN" sz="3200" spc="-1" strike="noStrike">
               <a:latin typeface="Arial"/>
             </a:endParaRPr>
           </a:p>
@@ -181,7 +173,7 @@
       </p:grpSpPr>
       <p:sp>
         <p:nvSpPr>
-          <p:cNvPr id="33" name="PlaceHolder 1"/>
+          <p:cNvPr id="32" name="PlaceHolder 1"/>
           <p:cNvSpPr>
             <a:spLocks noGrp="1"/>
           </p:cNvSpPr>
@@ -191,8 +183,8 @@
         </p:nvSpPr>
         <p:spPr>
           <a:xfrm>
-            <a:off x="311760" y="410040"/>
-            <a:ext cx="8520120" cy="607320"/>
+            <a:off x="457200" y="205200"/>
+            <a:ext cx="8229240" cy="858600"/>
           </a:xfrm>
           <a:prstGeom prst="rect">
             <a:avLst/>
@@ -203,18 +195,16 @@
             <a:noAutofit/>
           </a:bodyPr>
           <a:p>
-            <a:endParaRPr b="0" lang="en-IN" sz="1400" spc="-1" strike="noStrike">
-              <a:solidFill>
-                <a:srgbClr val="000000"/>
-              </a:solidFill>
-              <a:latin typeface="Arial"/>
-            </a:endParaRPr>
-          </a:p>
-        </p:txBody>
-      </p:sp>
-      <p:sp>
-        <p:nvSpPr>
-          <p:cNvPr id="34" name="PlaceHolder 2"/>
+            <a:pPr algn="ctr"/>
+            <a:endParaRPr b="0" lang="en-IN" sz="4400" spc="-1" strike="noStrike">
+              <a:latin typeface="Arial"/>
+            </a:endParaRPr>
+          </a:p>
+        </p:txBody>
+      </p:sp>
+      <p:sp>
+        <p:nvSpPr>
+          <p:cNvPr id="33" name="PlaceHolder 2"/>
           <p:cNvSpPr>
             <a:spLocks noGrp="1"/>
           </p:cNvSpPr>
@@ -224,8 +214,8 @@
         </p:nvSpPr>
         <p:spPr>
           <a:xfrm>
-            <a:off x="311760" y="1229760"/>
-            <a:ext cx="4157640" cy="1592280"/>
+            <a:off x="457200" y="1203480"/>
+            <a:ext cx="4015800" cy="1422720"/>
           </a:xfrm>
           <a:prstGeom prst="rect">
             <a:avLst/>
@@ -236,18 +226,15 @@
             <a:normAutofit/>
           </a:bodyPr>
           <a:p>
-            <a:endParaRPr b="0" lang="en-IN" sz="1400" spc="-1" strike="noStrike">
-              <a:solidFill>
-                <a:srgbClr val="000000"/>
-              </a:solidFill>
-              <a:latin typeface="Arial"/>
-            </a:endParaRPr>
-          </a:p>
-        </p:txBody>
-      </p:sp>
-      <p:sp>
-        <p:nvSpPr>
-          <p:cNvPr id="35" name="PlaceHolder 3"/>
+            <a:endParaRPr b="0" lang="en-IN" sz="3200" spc="-1" strike="noStrike">
+              <a:latin typeface="Arial"/>
+            </a:endParaRPr>
+          </a:p>
+        </p:txBody>
+      </p:sp>
+      <p:sp>
+        <p:nvSpPr>
+          <p:cNvPr id="34" name="PlaceHolder 3"/>
           <p:cNvSpPr>
             <a:spLocks noGrp="1"/>
           </p:cNvSpPr>
@@ -257,8 +244,8 @@
         </p:nvSpPr>
         <p:spPr>
           <a:xfrm>
-            <a:off x="4677840" y="1229760"/>
-            <a:ext cx="4157640" cy="1592280"/>
+            <a:off x="4674240" y="1203480"/>
+            <a:ext cx="4015800" cy="1422720"/>
           </a:xfrm>
           <a:prstGeom prst="rect">
             <a:avLst/>
@@ -269,18 +256,15 @@
             <a:normAutofit/>
           </a:bodyPr>
           <a:p>
-            <a:endParaRPr b="0" lang="en-IN" sz="1400" spc="-1" strike="noStrike">
-              <a:solidFill>
-                <a:srgbClr val="000000"/>
-              </a:solidFill>
-              <a:latin typeface="Arial"/>
-            </a:endParaRPr>
-          </a:p>
-        </p:txBody>
-      </p:sp>
-      <p:sp>
-        <p:nvSpPr>
-          <p:cNvPr id="36" name="PlaceHolder 4"/>
+            <a:endParaRPr b="0" lang="en-IN" sz="3200" spc="-1" strike="noStrike">
+              <a:latin typeface="Arial"/>
+            </a:endParaRPr>
+          </a:p>
+        </p:txBody>
+      </p:sp>
+      <p:sp>
+        <p:nvSpPr>
+          <p:cNvPr id="35" name="PlaceHolder 4"/>
           <p:cNvSpPr>
             <a:spLocks noGrp="1"/>
           </p:cNvSpPr>
@@ -290,8 +274,8 @@
         </p:nvSpPr>
         <p:spPr>
           <a:xfrm>
-            <a:off x="311760" y="2973600"/>
-            <a:ext cx="4157640" cy="1592280"/>
+            <a:off x="457200" y="2761920"/>
+            <a:ext cx="4015800" cy="1422720"/>
           </a:xfrm>
           <a:prstGeom prst="rect">
             <a:avLst/>
@@ -302,18 +286,15 @@
             <a:normAutofit/>
           </a:bodyPr>
           <a:p>
-            <a:endParaRPr b="0" lang="en-IN" sz="1400" spc="-1" strike="noStrike">
-              <a:solidFill>
-                <a:srgbClr val="000000"/>
-              </a:solidFill>
-              <a:latin typeface="Arial"/>
-            </a:endParaRPr>
-          </a:p>
-        </p:txBody>
-      </p:sp>
-      <p:sp>
-        <p:nvSpPr>
-          <p:cNvPr id="37" name="PlaceHolder 5"/>
+            <a:endParaRPr b="0" lang="en-IN" sz="3200" spc="-1" strike="noStrike">
+              <a:latin typeface="Arial"/>
+            </a:endParaRPr>
+          </a:p>
+        </p:txBody>
+      </p:sp>
+      <p:sp>
+        <p:nvSpPr>
+          <p:cNvPr id="36" name="PlaceHolder 5"/>
           <p:cNvSpPr>
             <a:spLocks noGrp="1"/>
           </p:cNvSpPr>
@@ -323,8 +304,8 @@
         </p:nvSpPr>
         <p:spPr>
           <a:xfrm>
-            <a:off x="4677840" y="2973600"/>
-            <a:ext cx="4157640" cy="1592280"/>
+            <a:off x="4674240" y="2761920"/>
+            <a:ext cx="4015800" cy="1422720"/>
           </a:xfrm>
           <a:prstGeom prst="rect">
             <a:avLst/>
@@ -335,10 +316,7 @@
             <a:normAutofit/>
           </a:bodyPr>
           <a:p>
-            <a:endParaRPr b="0" lang="en-IN" sz="1400" spc="-1" strike="noStrike">
-              <a:solidFill>
-                <a:srgbClr val="000000"/>
-              </a:solidFill>
+            <a:endParaRPr b="0" lang="en-IN" sz="3200" spc="-1" strike="noStrike">
               <a:latin typeface="Arial"/>
             </a:endParaRPr>
           </a:p>
@@ -368,7 +346,7 @@
       </p:grpSpPr>
       <p:sp>
         <p:nvSpPr>
-          <p:cNvPr id="38" name="PlaceHolder 1"/>
+          <p:cNvPr id="37" name="PlaceHolder 1"/>
           <p:cNvSpPr>
             <a:spLocks noGrp="1"/>
           </p:cNvSpPr>
@@ -378,8 +356,8 @@
         </p:nvSpPr>
         <p:spPr>
           <a:xfrm>
-            <a:off x="311760" y="410040"/>
-            <a:ext cx="8520120" cy="607320"/>
+            <a:off x="457200" y="205200"/>
+            <a:ext cx="8229240" cy="858600"/>
           </a:xfrm>
           <a:prstGeom prst="rect">
             <a:avLst/>
@@ -390,18 +368,16 @@
             <a:noAutofit/>
           </a:bodyPr>
           <a:p>
-            <a:endParaRPr b="0" lang="en-IN" sz="1400" spc="-1" strike="noStrike">
-              <a:solidFill>
-                <a:srgbClr val="000000"/>
-              </a:solidFill>
-              <a:latin typeface="Arial"/>
-            </a:endParaRPr>
-          </a:p>
-        </p:txBody>
-      </p:sp>
-      <p:sp>
-        <p:nvSpPr>
-          <p:cNvPr id="39" name="PlaceHolder 2"/>
+            <a:pPr algn="ctr"/>
+            <a:endParaRPr b="0" lang="en-IN" sz="4400" spc="-1" strike="noStrike">
+              <a:latin typeface="Arial"/>
+            </a:endParaRPr>
+          </a:p>
+        </p:txBody>
+      </p:sp>
+      <p:sp>
+        <p:nvSpPr>
+          <p:cNvPr id="38" name="PlaceHolder 2"/>
           <p:cNvSpPr>
             <a:spLocks noGrp="1"/>
           </p:cNvSpPr>
@@ -411,8 +387,8 @@
         </p:nvSpPr>
         <p:spPr>
           <a:xfrm>
-            <a:off x="311760" y="1229760"/>
-            <a:ext cx="2743200" cy="1592280"/>
+            <a:off x="457200" y="1203480"/>
+            <a:ext cx="2649600" cy="1422720"/>
           </a:xfrm>
           <a:prstGeom prst="rect">
             <a:avLst/>
@@ -423,18 +399,15 @@
             <a:normAutofit/>
           </a:bodyPr>
           <a:p>
-            <a:endParaRPr b="0" lang="en-IN" sz="1400" spc="-1" strike="noStrike">
-              <a:solidFill>
-                <a:srgbClr val="000000"/>
-              </a:solidFill>
-              <a:latin typeface="Arial"/>
-            </a:endParaRPr>
-          </a:p>
-        </p:txBody>
-      </p:sp>
-      <p:sp>
-        <p:nvSpPr>
-          <p:cNvPr id="40" name="PlaceHolder 3"/>
+            <a:endParaRPr b="0" lang="en-IN" sz="3200" spc="-1" strike="noStrike">
+              <a:latin typeface="Arial"/>
+            </a:endParaRPr>
+          </a:p>
+        </p:txBody>
+      </p:sp>
+      <p:sp>
+        <p:nvSpPr>
+          <p:cNvPr id="39" name="PlaceHolder 3"/>
           <p:cNvSpPr>
             <a:spLocks noGrp="1"/>
           </p:cNvSpPr>
@@ -444,8 +417,8 @@
         </p:nvSpPr>
         <p:spPr>
           <a:xfrm>
-            <a:off x="3192480" y="1229760"/>
-            <a:ext cx="2743200" cy="1592280"/>
+            <a:off x="3239640" y="1203480"/>
+            <a:ext cx="2649600" cy="1422720"/>
           </a:xfrm>
           <a:prstGeom prst="rect">
             <a:avLst/>
@@ -456,18 +429,15 @@
             <a:normAutofit/>
           </a:bodyPr>
           <a:p>
-            <a:endParaRPr b="0" lang="en-IN" sz="1400" spc="-1" strike="noStrike">
-              <a:solidFill>
-                <a:srgbClr val="000000"/>
-              </a:solidFill>
-              <a:latin typeface="Arial"/>
-            </a:endParaRPr>
-          </a:p>
-        </p:txBody>
-      </p:sp>
-      <p:sp>
-        <p:nvSpPr>
-          <p:cNvPr id="41" name="PlaceHolder 4"/>
+            <a:endParaRPr b="0" lang="en-IN" sz="3200" spc="-1" strike="noStrike">
+              <a:latin typeface="Arial"/>
+            </a:endParaRPr>
+          </a:p>
+        </p:txBody>
+      </p:sp>
+      <p:sp>
+        <p:nvSpPr>
+          <p:cNvPr id="40" name="PlaceHolder 4"/>
           <p:cNvSpPr>
             <a:spLocks noGrp="1"/>
           </p:cNvSpPr>
@@ -477,8 +447,8 @@
         </p:nvSpPr>
         <p:spPr>
           <a:xfrm>
-            <a:off x="6073200" y="1229760"/>
-            <a:ext cx="2743200" cy="1592280"/>
+            <a:off x="6022080" y="1203480"/>
+            <a:ext cx="2649600" cy="1422720"/>
           </a:xfrm>
           <a:prstGeom prst="rect">
             <a:avLst/>
@@ -489,18 +459,15 @@
             <a:normAutofit/>
           </a:bodyPr>
           <a:p>
-            <a:endParaRPr b="0" lang="en-IN" sz="1400" spc="-1" strike="noStrike">
-              <a:solidFill>
-                <a:srgbClr val="000000"/>
-              </a:solidFill>
-              <a:latin typeface="Arial"/>
-            </a:endParaRPr>
-          </a:p>
-        </p:txBody>
-      </p:sp>
-      <p:sp>
-        <p:nvSpPr>
-          <p:cNvPr id="42" name="PlaceHolder 5"/>
+            <a:endParaRPr b="0" lang="en-IN" sz="3200" spc="-1" strike="noStrike">
+              <a:latin typeface="Arial"/>
+            </a:endParaRPr>
+          </a:p>
+        </p:txBody>
+      </p:sp>
+      <p:sp>
+        <p:nvSpPr>
+          <p:cNvPr id="41" name="PlaceHolder 5"/>
           <p:cNvSpPr>
             <a:spLocks noGrp="1"/>
           </p:cNvSpPr>
@@ -510,8 +477,8 @@
         </p:nvSpPr>
         <p:spPr>
           <a:xfrm>
-            <a:off x="311760" y="2973600"/>
-            <a:ext cx="2743200" cy="1592280"/>
+            <a:off x="457200" y="2761920"/>
+            <a:ext cx="2649600" cy="1422720"/>
           </a:xfrm>
           <a:prstGeom prst="rect">
             <a:avLst/>
@@ -522,18 +489,15 @@
             <a:normAutofit/>
           </a:bodyPr>
           <a:p>
-            <a:endParaRPr b="0" lang="en-IN" sz="1400" spc="-1" strike="noStrike">
-              <a:solidFill>
-                <a:srgbClr val="000000"/>
-              </a:solidFill>
-              <a:latin typeface="Arial"/>
-            </a:endParaRPr>
-          </a:p>
-        </p:txBody>
-      </p:sp>
-      <p:sp>
-        <p:nvSpPr>
-          <p:cNvPr id="43" name="PlaceHolder 6"/>
+            <a:endParaRPr b="0" lang="en-IN" sz="3200" spc="-1" strike="noStrike">
+              <a:latin typeface="Arial"/>
+            </a:endParaRPr>
+          </a:p>
+        </p:txBody>
+      </p:sp>
+      <p:sp>
+        <p:nvSpPr>
+          <p:cNvPr id="42" name="PlaceHolder 6"/>
           <p:cNvSpPr>
             <a:spLocks noGrp="1"/>
           </p:cNvSpPr>
@@ -543,8 +507,8 @@
         </p:nvSpPr>
         <p:spPr>
           <a:xfrm>
-            <a:off x="3192480" y="2973600"/>
-            <a:ext cx="2743200" cy="1592280"/>
+            <a:off x="3239640" y="2761920"/>
+            <a:ext cx="2649600" cy="1422720"/>
           </a:xfrm>
           <a:prstGeom prst="rect">
             <a:avLst/>
@@ -555,18 +519,15 @@
             <a:normAutofit/>
           </a:bodyPr>
           <a:p>
-            <a:endParaRPr b="0" lang="en-IN" sz="1400" spc="-1" strike="noStrike">
-              <a:solidFill>
-                <a:srgbClr val="000000"/>
-              </a:solidFill>
-              <a:latin typeface="Arial"/>
-            </a:endParaRPr>
-          </a:p>
-        </p:txBody>
-      </p:sp>
-      <p:sp>
-        <p:nvSpPr>
-          <p:cNvPr id="44" name="PlaceHolder 7"/>
+            <a:endParaRPr b="0" lang="en-IN" sz="3200" spc="-1" strike="noStrike">
+              <a:latin typeface="Arial"/>
+            </a:endParaRPr>
+          </a:p>
+        </p:txBody>
+      </p:sp>
+      <p:sp>
+        <p:nvSpPr>
+          <p:cNvPr id="43" name="PlaceHolder 7"/>
           <p:cNvSpPr>
             <a:spLocks noGrp="1"/>
           </p:cNvSpPr>
@@ -576,8 +537,8 @@
         </p:nvSpPr>
         <p:spPr>
           <a:xfrm>
-            <a:off x="6073200" y="2973600"/>
-            <a:ext cx="2743200" cy="1592280"/>
+            <a:off x="6022080" y="2761920"/>
+            <a:ext cx="2649600" cy="1422720"/>
           </a:xfrm>
           <a:prstGeom prst="rect">
             <a:avLst/>
@@ -588,10 +549,7 @@
             <a:normAutofit/>
           </a:bodyPr>
           <a:p>
-            <a:endParaRPr b="0" lang="en-IN" sz="1400" spc="-1" strike="noStrike">
-              <a:solidFill>
-                <a:srgbClr val="000000"/>
-              </a:solidFill>
+            <a:endParaRPr b="0" lang="en-IN" sz="3200" spc="-1" strike="noStrike">
               <a:latin typeface="Arial"/>
             </a:endParaRPr>
           </a:p>
@@ -643,7 +601,7 @@
       </p:grpSpPr>
       <p:sp>
         <p:nvSpPr>
-          <p:cNvPr id="54" name="PlaceHolder 1"/>
+          <p:cNvPr id="52" name="PlaceHolder 1"/>
           <p:cNvSpPr>
             <a:spLocks noGrp="1"/>
           </p:cNvSpPr>
@@ -653,8 +611,8 @@
         </p:nvSpPr>
         <p:spPr>
           <a:xfrm>
-            <a:off x="311760" y="410040"/>
-            <a:ext cx="8520120" cy="607320"/>
+            <a:off x="457200" y="205200"/>
+            <a:ext cx="8229240" cy="858600"/>
           </a:xfrm>
           <a:prstGeom prst="rect">
             <a:avLst/>
@@ -665,18 +623,16 @@
             <a:noAutofit/>
           </a:bodyPr>
           <a:p>
-            <a:endParaRPr b="0" lang="en-IN" sz="1400" spc="-1" strike="noStrike">
-              <a:solidFill>
-                <a:srgbClr val="000000"/>
-              </a:solidFill>
-              <a:latin typeface="Arial"/>
-            </a:endParaRPr>
-          </a:p>
-        </p:txBody>
-      </p:sp>
-      <p:sp>
-        <p:nvSpPr>
-          <p:cNvPr id="55" name="PlaceHolder 2"/>
+            <a:pPr algn="ctr"/>
+            <a:endParaRPr b="0" lang="en-IN" sz="4400" spc="-1" strike="noStrike">
+              <a:latin typeface="Arial"/>
+            </a:endParaRPr>
+          </a:p>
+        </p:txBody>
+      </p:sp>
+      <p:sp>
+        <p:nvSpPr>
+          <p:cNvPr id="53" name="PlaceHolder 2"/>
           <p:cNvSpPr>
             <a:spLocks noGrp="1"/>
           </p:cNvSpPr>
@@ -686,8 +642,8 @@
         </p:nvSpPr>
         <p:spPr>
           <a:xfrm>
-            <a:off x="311760" y="1229760"/>
-            <a:ext cx="8520120" cy="3338640"/>
+            <a:off x="457200" y="1203480"/>
+            <a:ext cx="8229240" cy="2982960"/>
           </a:xfrm>
           <a:prstGeom prst="rect">
             <a:avLst/>
@@ -729,7 +685,7 @@
       </p:grpSpPr>
       <p:sp>
         <p:nvSpPr>
-          <p:cNvPr id="56" name="PlaceHolder 1"/>
+          <p:cNvPr id="54" name="PlaceHolder 1"/>
           <p:cNvSpPr>
             <a:spLocks noGrp="1"/>
           </p:cNvSpPr>
@@ -739,8 +695,8 @@
         </p:nvSpPr>
         <p:spPr>
           <a:xfrm>
-            <a:off x="311760" y="410040"/>
-            <a:ext cx="8520120" cy="607320"/>
+            <a:off x="457200" y="205200"/>
+            <a:ext cx="8229240" cy="858600"/>
           </a:xfrm>
           <a:prstGeom prst="rect">
             <a:avLst/>
@@ -751,18 +707,16 @@
             <a:noAutofit/>
           </a:bodyPr>
           <a:p>
-            <a:endParaRPr b="0" lang="en-IN" sz="1400" spc="-1" strike="noStrike">
-              <a:solidFill>
-                <a:srgbClr val="000000"/>
-              </a:solidFill>
-              <a:latin typeface="Arial"/>
-            </a:endParaRPr>
-          </a:p>
-        </p:txBody>
-      </p:sp>
-      <p:sp>
-        <p:nvSpPr>
-          <p:cNvPr id="57" name="PlaceHolder 2"/>
+            <a:pPr algn="ctr"/>
+            <a:endParaRPr b="0" lang="en-IN" sz="4400" spc="-1" strike="noStrike">
+              <a:latin typeface="Arial"/>
+            </a:endParaRPr>
+          </a:p>
+        </p:txBody>
+      </p:sp>
+      <p:sp>
+        <p:nvSpPr>
+          <p:cNvPr id="55" name="PlaceHolder 2"/>
           <p:cNvSpPr>
             <a:spLocks noGrp="1"/>
           </p:cNvSpPr>
@@ -772,8 +726,8 @@
         </p:nvSpPr>
         <p:spPr>
           <a:xfrm>
-            <a:off x="311760" y="1229760"/>
-            <a:ext cx="8520120" cy="3338640"/>
+            <a:off x="457200" y="1203480"/>
+            <a:ext cx="8229240" cy="2982960"/>
           </a:xfrm>
           <a:prstGeom prst="rect">
             <a:avLst/>
@@ -784,10 +738,7 @@
             <a:normAutofit/>
           </a:bodyPr>
           <a:p>
-            <a:endParaRPr b="0" lang="en-IN" sz="1400" spc="-1" strike="noStrike">
-              <a:solidFill>
-                <a:srgbClr val="000000"/>
-              </a:solidFill>
+            <a:endParaRPr b="0" lang="en-IN" sz="3200" spc="-1" strike="noStrike">
               <a:latin typeface="Arial"/>
             </a:endParaRPr>
           </a:p>
@@ -817,7 +768,7 @@
       </p:grpSpPr>
       <p:sp>
         <p:nvSpPr>
-          <p:cNvPr id="58" name="PlaceHolder 1"/>
+          <p:cNvPr id="56" name="PlaceHolder 1"/>
           <p:cNvSpPr>
             <a:spLocks noGrp="1"/>
           </p:cNvSpPr>
@@ -827,8 +778,8 @@
         </p:nvSpPr>
         <p:spPr>
           <a:xfrm>
-            <a:off x="311760" y="410040"/>
-            <a:ext cx="8520120" cy="607320"/>
+            <a:off x="457200" y="205200"/>
+            <a:ext cx="8229240" cy="858600"/>
           </a:xfrm>
           <a:prstGeom prst="rect">
             <a:avLst/>
@@ -839,18 +790,16 @@
             <a:noAutofit/>
           </a:bodyPr>
           <a:p>
-            <a:endParaRPr b="0" lang="en-IN" sz="1400" spc="-1" strike="noStrike">
-              <a:solidFill>
-                <a:srgbClr val="000000"/>
-              </a:solidFill>
-              <a:latin typeface="Arial"/>
-            </a:endParaRPr>
-          </a:p>
-        </p:txBody>
-      </p:sp>
-      <p:sp>
-        <p:nvSpPr>
-          <p:cNvPr id="59" name="PlaceHolder 2"/>
+            <a:pPr algn="ctr"/>
+            <a:endParaRPr b="0" lang="en-IN" sz="4400" spc="-1" strike="noStrike">
+              <a:latin typeface="Arial"/>
+            </a:endParaRPr>
+          </a:p>
+        </p:txBody>
+      </p:sp>
+      <p:sp>
+        <p:nvSpPr>
+          <p:cNvPr id="57" name="PlaceHolder 2"/>
           <p:cNvSpPr>
             <a:spLocks noGrp="1"/>
           </p:cNvSpPr>
@@ -860,8 +809,8 @@
         </p:nvSpPr>
         <p:spPr>
           <a:xfrm>
-            <a:off x="311760" y="1229760"/>
-            <a:ext cx="4157640" cy="3338640"/>
+            <a:off x="457200" y="1203480"/>
+            <a:ext cx="4015800" cy="2982960"/>
           </a:xfrm>
           <a:prstGeom prst="rect">
             <a:avLst/>
@@ -872,18 +821,15 @@
             <a:normAutofit/>
           </a:bodyPr>
           <a:p>
-            <a:endParaRPr b="0" lang="en-IN" sz="1400" spc="-1" strike="noStrike">
-              <a:solidFill>
-                <a:srgbClr val="000000"/>
-              </a:solidFill>
-              <a:latin typeface="Arial"/>
-            </a:endParaRPr>
-          </a:p>
-        </p:txBody>
-      </p:sp>
-      <p:sp>
-        <p:nvSpPr>
-          <p:cNvPr id="60" name="PlaceHolder 3"/>
+            <a:endParaRPr b="0" lang="en-IN" sz="3200" spc="-1" strike="noStrike">
+              <a:latin typeface="Arial"/>
+            </a:endParaRPr>
+          </a:p>
+        </p:txBody>
+      </p:sp>
+      <p:sp>
+        <p:nvSpPr>
+          <p:cNvPr id="58" name="PlaceHolder 3"/>
           <p:cNvSpPr>
             <a:spLocks noGrp="1"/>
           </p:cNvSpPr>
@@ -893,8 +839,8 @@
         </p:nvSpPr>
         <p:spPr>
           <a:xfrm>
-            <a:off x="4677840" y="1229760"/>
-            <a:ext cx="4157640" cy="3338640"/>
+            <a:off x="4674240" y="1203480"/>
+            <a:ext cx="4015800" cy="2982960"/>
           </a:xfrm>
           <a:prstGeom prst="rect">
             <a:avLst/>
@@ -905,10 +851,7 @@
             <a:normAutofit/>
           </a:bodyPr>
           <a:p>
-            <a:endParaRPr b="0" lang="en-IN" sz="1400" spc="-1" strike="noStrike">
-              <a:solidFill>
-                <a:srgbClr val="000000"/>
-              </a:solidFill>
+            <a:endParaRPr b="0" lang="en-IN" sz="3200" spc="-1" strike="noStrike">
               <a:latin typeface="Arial"/>
             </a:endParaRPr>
           </a:p>
@@ -938,7 +881,7 @@
       </p:grpSpPr>
       <p:sp>
         <p:nvSpPr>
-          <p:cNvPr id="61" name="PlaceHolder 1"/>
+          <p:cNvPr id="59" name="PlaceHolder 1"/>
           <p:cNvSpPr>
             <a:spLocks noGrp="1"/>
           </p:cNvSpPr>
@@ -948,8 +891,8 @@
         </p:nvSpPr>
         <p:spPr>
           <a:xfrm>
-            <a:off x="311760" y="410040"/>
-            <a:ext cx="8520120" cy="607320"/>
+            <a:off x="457200" y="205200"/>
+            <a:ext cx="8229240" cy="858600"/>
           </a:xfrm>
           <a:prstGeom prst="rect">
             <a:avLst/>
@@ -960,10 +903,8 @@
             <a:noAutofit/>
           </a:bodyPr>
           <a:p>
-            <a:endParaRPr b="0" lang="en-IN" sz="1400" spc="-1" strike="noStrike">
-              <a:solidFill>
-                <a:srgbClr val="000000"/>
-              </a:solidFill>
+            <a:pPr algn="ctr"/>
+            <a:endParaRPr b="0" lang="en-IN" sz="4400" spc="-1" strike="noStrike">
               <a:latin typeface="Arial"/>
             </a:endParaRPr>
           </a:p>
@@ -993,7 +934,7 @@
       </p:grpSpPr>
       <p:sp>
         <p:nvSpPr>
-          <p:cNvPr id="62" name="PlaceHolder 1"/>
+          <p:cNvPr id="60" name="PlaceHolder 1"/>
           <p:cNvSpPr>
             <a:spLocks noGrp="1"/>
           </p:cNvSpPr>
@@ -1003,8 +944,8 @@
         </p:nvSpPr>
         <p:spPr>
           <a:xfrm>
-            <a:off x="311760" y="410040"/>
-            <a:ext cx="8520120" cy="2816640"/>
+            <a:off x="457200" y="205200"/>
+            <a:ext cx="8229240" cy="3981240"/>
           </a:xfrm>
           <a:prstGeom prst="rect">
             <a:avLst/>
@@ -1046,7 +987,7 @@
       </p:grpSpPr>
       <p:sp>
         <p:nvSpPr>
-          <p:cNvPr id="63" name="PlaceHolder 1"/>
+          <p:cNvPr id="61" name="PlaceHolder 1"/>
           <p:cNvSpPr>
             <a:spLocks noGrp="1"/>
           </p:cNvSpPr>
@@ -1056,8 +997,8 @@
         </p:nvSpPr>
         <p:spPr>
           <a:xfrm>
-            <a:off x="311760" y="410040"/>
-            <a:ext cx="8520120" cy="607320"/>
+            <a:off x="457200" y="205200"/>
+            <a:ext cx="8229240" cy="858600"/>
           </a:xfrm>
           <a:prstGeom prst="rect">
             <a:avLst/>
@@ -1068,18 +1009,16 @@
             <a:noAutofit/>
           </a:bodyPr>
           <a:p>
-            <a:endParaRPr b="0" lang="en-IN" sz="1400" spc="-1" strike="noStrike">
-              <a:solidFill>
-                <a:srgbClr val="000000"/>
-              </a:solidFill>
-              <a:latin typeface="Arial"/>
-            </a:endParaRPr>
-          </a:p>
-        </p:txBody>
-      </p:sp>
-      <p:sp>
-        <p:nvSpPr>
-          <p:cNvPr id="64" name="PlaceHolder 2"/>
+            <a:pPr algn="ctr"/>
+            <a:endParaRPr b="0" lang="en-IN" sz="4400" spc="-1" strike="noStrike">
+              <a:latin typeface="Arial"/>
+            </a:endParaRPr>
+          </a:p>
+        </p:txBody>
+      </p:sp>
+      <p:sp>
+        <p:nvSpPr>
+          <p:cNvPr id="62" name="PlaceHolder 2"/>
           <p:cNvSpPr>
             <a:spLocks noGrp="1"/>
           </p:cNvSpPr>
@@ -1089,8 +1028,8 @@
         </p:nvSpPr>
         <p:spPr>
           <a:xfrm>
-            <a:off x="311760" y="1229760"/>
-            <a:ext cx="4157640" cy="1592280"/>
+            <a:off x="457200" y="1203480"/>
+            <a:ext cx="4015800" cy="1422720"/>
           </a:xfrm>
           <a:prstGeom prst="rect">
             <a:avLst/>
@@ -1101,18 +1040,15 @@
             <a:normAutofit/>
           </a:bodyPr>
           <a:p>
-            <a:endParaRPr b="0" lang="en-IN" sz="1400" spc="-1" strike="noStrike">
-              <a:solidFill>
-                <a:srgbClr val="000000"/>
-              </a:solidFill>
-              <a:latin typeface="Arial"/>
-            </a:endParaRPr>
-          </a:p>
-        </p:txBody>
-      </p:sp>
-      <p:sp>
-        <p:nvSpPr>
-          <p:cNvPr id="65" name="PlaceHolder 3"/>
+            <a:endParaRPr b="0" lang="en-IN" sz="3200" spc="-1" strike="noStrike">
+              <a:latin typeface="Arial"/>
+            </a:endParaRPr>
+          </a:p>
+        </p:txBody>
+      </p:sp>
+      <p:sp>
+        <p:nvSpPr>
+          <p:cNvPr id="63" name="PlaceHolder 3"/>
           <p:cNvSpPr>
             <a:spLocks noGrp="1"/>
           </p:cNvSpPr>
@@ -1122,8 +1058,8 @@
         </p:nvSpPr>
         <p:spPr>
           <a:xfrm>
-            <a:off x="4677840" y="1229760"/>
-            <a:ext cx="4157640" cy="3338640"/>
+            <a:off x="4674240" y="1203480"/>
+            <a:ext cx="4015800" cy="2982960"/>
           </a:xfrm>
           <a:prstGeom prst="rect">
             <a:avLst/>
@@ -1134,18 +1070,15 @@
             <a:normAutofit/>
           </a:bodyPr>
           <a:p>
-            <a:endParaRPr b="0" lang="en-IN" sz="1400" spc="-1" strike="noStrike">
-              <a:solidFill>
-                <a:srgbClr val="000000"/>
-              </a:solidFill>
-              <a:latin typeface="Arial"/>
-            </a:endParaRPr>
-          </a:p>
-        </p:txBody>
-      </p:sp>
-      <p:sp>
-        <p:nvSpPr>
-          <p:cNvPr id="66" name="PlaceHolder 4"/>
+            <a:endParaRPr b="0" lang="en-IN" sz="3200" spc="-1" strike="noStrike">
+              <a:latin typeface="Arial"/>
+            </a:endParaRPr>
+          </a:p>
+        </p:txBody>
+      </p:sp>
+      <p:sp>
+        <p:nvSpPr>
+          <p:cNvPr id="64" name="PlaceHolder 4"/>
           <p:cNvSpPr>
             <a:spLocks noGrp="1"/>
           </p:cNvSpPr>
@@ -1155,8 +1088,8 @@
         </p:nvSpPr>
         <p:spPr>
           <a:xfrm>
-            <a:off x="311760" y="2973600"/>
-            <a:ext cx="4157640" cy="1592280"/>
+            <a:off x="457200" y="2761920"/>
+            <a:ext cx="4015800" cy="1422720"/>
           </a:xfrm>
           <a:prstGeom prst="rect">
             <a:avLst/>
@@ -1167,10 +1100,7 @@
             <a:normAutofit/>
           </a:bodyPr>
           <a:p>
-            <a:endParaRPr b="0" lang="en-IN" sz="1400" spc="-1" strike="noStrike">
-              <a:solidFill>
-                <a:srgbClr val="000000"/>
-              </a:solidFill>
+            <a:endParaRPr b="0" lang="en-IN" sz="3200" spc="-1" strike="noStrike">
               <a:latin typeface="Arial"/>
             </a:endParaRPr>
           </a:p>
@@ -1200,7 +1130,7 @@
       </p:grpSpPr>
       <p:sp>
         <p:nvSpPr>
-          <p:cNvPr id="9" name="PlaceHolder 1"/>
+          <p:cNvPr id="8" name="PlaceHolder 1"/>
           <p:cNvSpPr>
             <a:spLocks noGrp="1"/>
           </p:cNvSpPr>
@@ -1210,8 +1140,8 @@
         </p:nvSpPr>
         <p:spPr>
           <a:xfrm>
-            <a:off x="311760" y="410040"/>
-            <a:ext cx="8520120" cy="607320"/>
+            <a:off x="457200" y="205200"/>
+            <a:ext cx="8229240" cy="858600"/>
           </a:xfrm>
           <a:prstGeom prst="rect">
             <a:avLst/>
@@ -1222,18 +1152,16 @@
             <a:noAutofit/>
           </a:bodyPr>
           <a:p>
-            <a:endParaRPr b="0" lang="en-IN" sz="1400" spc="-1" strike="noStrike">
-              <a:solidFill>
-                <a:srgbClr val="000000"/>
-              </a:solidFill>
-              <a:latin typeface="Arial"/>
-            </a:endParaRPr>
-          </a:p>
-        </p:txBody>
-      </p:sp>
-      <p:sp>
-        <p:nvSpPr>
-          <p:cNvPr id="10" name="PlaceHolder 2"/>
+            <a:pPr algn="ctr"/>
+            <a:endParaRPr b="0" lang="en-IN" sz="4400" spc="-1" strike="noStrike">
+              <a:latin typeface="Arial"/>
+            </a:endParaRPr>
+          </a:p>
+        </p:txBody>
+      </p:sp>
+      <p:sp>
+        <p:nvSpPr>
+          <p:cNvPr id="9" name="PlaceHolder 2"/>
           <p:cNvSpPr>
             <a:spLocks noGrp="1"/>
           </p:cNvSpPr>
@@ -1243,8 +1171,8 @@
         </p:nvSpPr>
         <p:spPr>
           <a:xfrm>
-            <a:off x="311760" y="1229760"/>
-            <a:ext cx="8520120" cy="3338640"/>
+            <a:off x="457200" y="1203480"/>
+            <a:ext cx="8229240" cy="2982960"/>
           </a:xfrm>
           <a:prstGeom prst="rect">
             <a:avLst/>
@@ -1286,7 +1214,7 @@
       </p:grpSpPr>
       <p:sp>
         <p:nvSpPr>
-          <p:cNvPr id="67" name="PlaceHolder 1"/>
+          <p:cNvPr id="65" name="PlaceHolder 1"/>
           <p:cNvSpPr>
             <a:spLocks noGrp="1"/>
           </p:cNvSpPr>
@@ -1296,8 +1224,8 @@
         </p:nvSpPr>
         <p:spPr>
           <a:xfrm>
-            <a:off x="311760" y="410040"/>
-            <a:ext cx="8520120" cy="607320"/>
+            <a:off x="457200" y="205200"/>
+            <a:ext cx="8229240" cy="858600"/>
           </a:xfrm>
           <a:prstGeom prst="rect">
             <a:avLst/>
@@ -1308,18 +1236,16 @@
             <a:noAutofit/>
           </a:bodyPr>
           <a:p>
-            <a:endParaRPr b="0" lang="en-IN" sz="1400" spc="-1" strike="noStrike">
-              <a:solidFill>
-                <a:srgbClr val="000000"/>
-              </a:solidFill>
-              <a:latin typeface="Arial"/>
-            </a:endParaRPr>
-          </a:p>
-        </p:txBody>
-      </p:sp>
-      <p:sp>
-        <p:nvSpPr>
-          <p:cNvPr id="68" name="PlaceHolder 2"/>
+            <a:pPr algn="ctr"/>
+            <a:endParaRPr b="0" lang="en-IN" sz="4400" spc="-1" strike="noStrike">
+              <a:latin typeface="Arial"/>
+            </a:endParaRPr>
+          </a:p>
+        </p:txBody>
+      </p:sp>
+      <p:sp>
+        <p:nvSpPr>
+          <p:cNvPr id="66" name="PlaceHolder 2"/>
           <p:cNvSpPr>
             <a:spLocks noGrp="1"/>
           </p:cNvSpPr>
@@ -1329,8 +1255,8 @@
         </p:nvSpPr>
         <p:spPr>
           <a:xfrm>
-            <a:off x="311760" y="1229760"/>
-            <a:ext cx="4157640" cy="3338640"/>
+            <a:off x="457200" y="1203480"/>
+            <a:ext cx="4015800" cy="2982960"/>
           </a:xfrm>
           <a:prstGeom prst="rect">
             <a:avLst/>
@@ -1341,18 +1267,15 @@
             <a:normAutofit/>
           </a:bodyPr>
           <a:p>
-            <a:endParaRPr b="0" lang="en-IN" sz="1400" spc="-1" strike="noStrike">
-              <a:solidFill>
-                <a:srgbClr val="000000"/>
-              </a:solidFill>
-              <a:latin typeface="Arial"/>
-            </a:endParaRPr>
-          </a:p>
-        </p:txBody>
-      </p:sp>
-      <p:sp>
-        <p:nvSpPr>
-          <p:cNvPr id="69" name="PlaceHolder 3"/>
+            <a:endParaRPr b="0" lang="en-IN" sz="3200" spc="-1" strike="noStrike">
+              <a:latin typeface="Arial"/>
+            </a:endParaRPr>
+          </a:p>
+        </p:txBody>
+      </p:sp>
+      <p:sp>
+        <p:nvSpPr>
+          <p:cNvPr id="67" name="PlaceHolder 3"/>
           <p:cNvSpPr>
             <a:spLocks noGrp="1"/>
           </p:cNvSpPr>
@@ -1362,8 +1285,8 @@
         </p:nvSpPr>
         <p:spPr>
           <a:xfrm>
-            <a:off x="4677840" y="1229760"/>
-            <a:ext cx="4157640" cy="1592280"/>
+            <a:off x="4674240" y="1203480"/>
+            <a:ext cx="4015800" cy="1422720"/>
           </a:xfrm>
           <a:prstGeom prst="rect">
             <a:avLst/>
@@ -1374,18 +1297,15 @@
             <a:normAutofit/>
           </a:bodyPr>
           <a:p>
-            <a:endParaRPr b="0" lang="en-IN" sz="1400" spc="-1" strike="noStrike">
-              <a:solidFill>
-                <a:srgbClr val="000000"/>
-              </a:solidFill>
-              <a:latin typeface="Arial"/>
-            </a:endParaRPr>
-          </a:p>
-        </p:txBody>
-      </p:sp>
-      <p:sp>
-        <p:nvSpPr>
-          <p:cNvPr id="70" name="PlaceHolder 4"/>
+            <a:endParaRPr b="0" lang="en-IN" sz="3200" spc="-1" strike="noStrike">
+              <a:latin typeface="Arial"/>
+            </a:endParaRPr>
+          </a:p>
+        </p:txBody>
+      </p:sp>
+      <p:sp>
+        <p:nvSpPr>
+          <p:cNvPr id="68" name="PlaceHolder 4"/>
           <p:cNvSpPr>
             <a:spLocks noGrp="1"/>
           </p:cNvSpPr>
@@ -1395,8 +1315,8 @@
         </p:nvSpPr>
         <p:spPr>
           <a:xfrm>
-            <a:off x="4677840" y="2973600"/>
-            <a:ext cx="4157640" cy="1592280"/>
+            <a:off x="4674240" y="2761920"/>
+            <a:ext cx="4015800" cy="1422720"/>
           </a:xfrm>
           <a:prstGeom prst="rect">
             <a:avLst/>
@@ -1407,10 +1327,7 @@
             <a:normAutofit/>
           </a:bodyPr>
           <a:p>
-            <a:endParaRPr b="0" lang="en-IN" sz="1400" spc="-1" strike="noStrike">
-              <a:solidFill>
-                <a:srgbClr val="000000"/>
-              </a:solidFill>
+            <a:endParaRPr b="0" lang="en-IN" sz="3200" spc="-1" strike="noStrike">
               <a:latin typeface="Arial"/>
             </a:endParaRPr>
           </a:p>
@@ -1440,7 +1357,7 @@
       </p:grpSpPr>
       <p:sp>
         <p:nvSpPr>
-          <p:cNvPr id="71" name="PlaceHolder 1"/>
+          <p:cNvPr id="69" name="PlaceHolder 1"/>
           <p:cNvSpPr>
             <a:spLocks noGrp="1"/>
           </p:cNvSpPr>
@@ -1450,8 +1367,8 @@
         </p:nvSpPr>
         <p:spPr>
           <a:xfrm>
-            <a:off x="311760" y="410040"/>
-            <a:ext cx="8520120" cy="607320"/>
+            <a:off x="457200" y="205200"/>
+            <a:ext cx="8229240" cy="858600"/>
           </a:xfrm>
           <a:prstGeom prst="rect">
             <a:avLst/>
@@ -1462,18 +1379,16 @@
             <a:noAutofit/>
           </a:bodyPr>
           <a:p>
-            <a:endParaRPr b="0" lang="en-IN" sz="1400" spc="-1" strike="noStrike">
-              <a:solidFill>
-                <a:srgbClr val="000000"/>
-              </a:solidFill>
-              <a:latin typeface="Arial"/>
-            </a:endParaRPr>
-          </a:p>
-        </p:txBody>
-      </p:sp>
-      <p:sp>
-        <p:nvSpPr>
-          <p:cNvPr id="72" name="PlaceHolder 2"/>
+            <a:pPr algn="ctr"/>
+            <a:endParaRPr b="0" lang="en-IN" sz="4400" spc="-1" strike="noStrike">
+              <a:latin typeface="Arial"/>
+            </a:endParaRPr>
+          </a:p>
+        </p:txBody>
+      </p:sp>
+      <p:sp>
+        <p:nvSpPr>
+          <p:cNvPr id="70" name="PlaceHolder 2"/>
           <p:cNvSpPr>
             <a:spLocks noGrp="1"/>
           </p:cNvSpPr>
@@ -1483,8 +1398,8 @@
         </p:nvSpPr>
         <p:spPr>
           <a:xfrm>
-            <a:off x="311760" y="1229760"/>
-            <a:ext cx="4157640" cy="1592280"/>
+            <a:off x="457200" y="1203480"/>
+            <a:ext cx="4015800" cy="1422720"/>
           </a:xfrm>
           <a:prstGeom prst="rect">
             <a:avLst/>
@@ -1495,18 +1410,15 @@
             <a:normAutofit/>
           </a:bodyPr>
           <a:p>
-            <a:endParaRPr b="0" lang="en-IN" sz="1400" spc="-1" strike="noStrike">
-              <a:solidFill>
-                <a:srgbClr val="000000"/>
-              </a:solidFill>
-              <a:latin typeface="Arial"/>
-            </a:endParaRPr>
-          </a:p>
-        </p:txBody>
-      </p:sp>
-      <p:sp>
-        <p:nvSpPr>
-          <p:cNvPr id="73" name="PlaceHolder 3"/>
+            <a:endParaRPr b="0" lang="en-IN" sz="3200" spc="-1" strike="noStrike">
+              <a:latin typeface="Arial"/>
+            </a:endParaRPr>
+          </a:p>
+        </p:txBody>
+      </p:sp>
+      <p:sp>
+        <p:nvSpPr>
+          <p:cNvPr id="71" name="PlaceHolder 3"/>
           <p:cNvSpPr>
             <a:spLocks noGrp="1"/>
           </p:cNvSpPr>
@@ -1516,8 +1428,8 @@
         </p:nvSpPr>
         <p:spPr>
           <a:xfrm>
-            <a:off x="4677840" y="1229760"/>
-            <a:ext cx="4157640" cy="1592280"/>
+            <a:off x="4674240" y="1203480"/>
+            <a:ext cx="4015800" cy="1422720"/>
           </a:xfrm>
           <a:prstGeom prst="rect">
             <a:avLst/>
@@ -1528,18 +1440,15 @@
             <a:normAutofit/>
           </a:bodyPr>
           <a:p>
-            <a:endParaRPr b="0" lang="en-IN" sz="1400" spc="-1" strike="noStrike">
-              <a:solidFill>
-                <a:srgbClr val="000000"/>
-              </a:solidFill>
-              <a:latin typeface="Arial"/>
-            </a:endParaRPr>
-          </a:p>
-        </p:txBody>
-      </p:sp>
-      <p:sp>
-        <p:nvSpPr>
-          <p:cNvPr id="74" name="PlaceHolder 4"/>
+            <a:endParaRPr b="0" lang="en-IN" sz="3200" spc="-1" strike="noStrike">
+              <a:latin typeface="Arial"/>
+            </a:endParaRPr>
+          </a:p>
+        </p:txBody>
+      </p:sp>
+      <p:sp>
+        <p:nvSpPr>
+          <p:cNvPr id="72" name="PlaceHolder 4"/>
           <p:cNvSpPr>
             <a:spLocks noGrp="1"/>
           </p:cNvSpPr>
@@ -1549,8 +1458,8 @@
         </p:nvSpPr>
         <p:spPr>
           <a:xfrm>
-            <a:off x="311760" y="2973600"/>
-            <a:ext cx="8520120" cy="1592280"/>
+            <a:off x="457200" y="2761920"/>
+            <a:ext cx="8229240" cy="1422720"/>
           </a:xfrm>
           <a:prstGeom prst="rect">
             <a:avLst/>
@@ -1561,10 +1470,7 @@
             <a:normAutofit/>
           </a:bodyPr>
           <a:p>
-            <a:endParaRPr b="0" lang="en-IN" sz="1400" spc="-1" strike="noStrike">
-              <a:solidFill>
-                <a:srgbClr val="000000"/>
-              </a:solidFill>
+            <a:endParaRPr b="0" lang="en-IN" sz="3200" spc="-1" strike="noStrike">
               <a:latin typeface="Arial"/>
             </a:endParaRPr>
           </a:p>
@@ -1594,7 +1500,7 @@
       </p:grpSpPr>
       <p:sp>
         <p:nvSpPr>
-          <p:cNvPr id="75" name="PlaceHolder 1"/>
+          <p:cNvPr id="73" name="PlaceHolder 1"/>
           <p:cNvSpPr>
             <a:spLocks noGrp="1"/>
           </p:cNvSpPr>
@@ -1604,8 +1510,8 @@
         </p:nvSpPr>
         <p:spPr>
           <a:xfrm>
-            <a:off x="311760" y="410040"/>
-            <a:ext cx="8520120" cy="607320"/>
+            <a:off x="457200" y="205200"/>
+            <a:ext cx="8229240" cy="858600"/>
           </a:xfrm>
           <a:prstGeom prst="rect">
             <a:avLst/>
@@ -1616,18 +1522,16 @@
             <a:noAutofit/>
           </a:bodyPr>
           <a:p>
-            <a:endParaRPr b="0" lang="en-IN" sz="1400" spc="-1" strike="noStrike">
-              <a:solidFill>
-                <a:srgbClr val="000000"/>
-              </a:solidFill>
-              <a:latin typeface="Arial"/>
-            </a:endParaRPr>
-          </a:p>
-        </p:txBody>
-      </p:sp>
-      <p:sp>
-        <p:nvSpPr>
-          <p:cNvPr id="76" name="PlaceHolder 2"/>
+            <a:pPr algn="ctr"/>
+            <a:endParaRPr b="0" lang="en-IN" sz="4400" spc="-1" strike="noStrike">
+              <a:latin typeface="Arial"/>
+            </a:endParaRPr>
+          </a:p>
+        </p:txBody>
+      </p:sp>
+      <p:sp>
+        <p:nvSpPr>
+          <p:cNvPr id="74" name="PlaceHolder 2"/>
           <p:cNvSpPr>
             <a:spLocks noGrp="1"/>
           </p:cNvSpPr>
@@ -1637,8 +1541,8 @@
         </p:nvSpPr>
         <p:spPr>
           <a:xfrm>
-            <a:off x="311760" y="1229760"/>
-            <a:ext cx="8520120" cy="1592280"/>
+            <a:off x="457200" y="1203480"/>
+            <a:ext cx="8229240" cy="1422720"/>
           </a:xfrm>
           <a:prstGeom prst="rect">
             <a:avLst/>
@@ -1649,18 +1553,15 @@
             <a:normAutofit/>
           </a:bodyPr>
           <a:p>
-            <a:endParaRPr b="0" lang="en-IN" sz="1400" spc="-1" strike="noStrike">
-              <a:solidFill>
-                <a:srgbClr val="000000"/>
-              </a:solidFill>
-              <a:latin typeface="Arial"/>
-            </a:endParaRPr>
-          </a:p>
-        </p:txBody>
-      </p:sp>
-      <p:sp>
-        <p:nvSpPr>
-          <p:cNvPr id="77" name="PlaceHolder 3"/>
+            <a:endParaRPr b="0" lang="en-IN" sz="3200" spc="-1" strike="noStrike">
+              <a:latin typeface="Arial"/>
+            </a:endParaRPr>
+          </a:p>
+        </p:txBody>
+      </p:sp>
+      <p:sp>
+        <p:nvSpPr>
+          <p:cNvPr id="75" name="PlaceHolder 3"/>
           <p:cNvSpPr>
             <a:spLocks noGrp="1"/>
           </p:cNvSpPr>
@@ -1670,8 +1571,8 @@
         </p:nvSpPr>
         <p:spPr>
           <a:xfrm>
-            <a:off x="311760" y="2973600"/>
-            <a:ext cx="8520120" cy="1592280"/>
+            <a:off x="457200" y="2761920"/>
+            <a:ext cx="8229240" cy="1422720"/>
           </a:xfrm>
           <a:prstGeom prst="rect">
             <a:avLst/>
@@ -1682,10 +1583,7 @@
             <a:normAutofit/>
           </a:bodyPr>
           <a:p>
-            <a:endParaRPr b="0" lang="en-IN" sz="1400" spc="-1" strike="noStrike">
-              <a:solidFill>
-                <a:srgbClr val="000000"/>
-              </a:solidFill>
+            <a:endParaRPr b="0" lang="en-IN" sz="3200" spc="-1" strike="noStrike">
               <a:latin typeface="Arial"/>
             </a:endParaRPr>
           </a:p>
@@ -1715,7 +1613,7 @@
       </p:grpSpPr>
       <p:sp>
         <p:nvSpPr>
-          <p:cNvPr id="78" name="PlaceHolder 1"/>
+          <p:cNvPr id="76" name="PlaceHolder 1"/>
           <p:cNvSpPr>
             <a:spLocks noGrp="1"/>
           </p:cNvSpPr>
@@ -1725,8 +1623,8 @@
         </p:nvSpPr>
         <p:spPr>
           <a:xfrm>
-            <a:off x="311760" y="410040"/>
-            <a:ext cx="8520120" cy="607320"/>
+            <a:off x="457200" y="205200"/>
+            <a:ext cx="8229240" cy="858600"/>
           </a:xfrm>
           <a:prstGeom prst="rect">
             <a:avLst/>
@@ -1737,18 +1635,16 @@
             <a:noAutofit/>
           </a:bodyPr>
           <a:p>
-            <a:endParaRPr b="0" lang="en-IN" sz="1400" spc="-1" strike="noStrike">
-              <a:solidFill>
-                <a:srgbClr val="000000"/>
-              </a:solidFill>
-              <a:latin typeface="Arial"/>
-            </a:endParaRPr>
-          </a:p>
-        </p:txBody>
-      </p:sp>
-      <p:sp>
-        <p:nvSpPr>
-          <p:cNvPr id="79" name="PlaceHolder 2"/>
+            <a:pPr algn="ctr"/>
+            <a:endParaRPr b="0" lang="en-IN" sz="4400" spc="-1" strike="noStrike">
+              <a:latin typeface="Arial"/>
+            </a:endParaRPr>
+          </a:p>
+        </p:txBody>
+      </p:sp>
+      <p:sp>
+        <p:nvSpPr>
+          <p:cNvPr id="77" name="PlaceHolder 2"/>
           <p:cNvSpPr>
             <a:spLocks noGrp="1"/>
           </p:cNvSpPr>
@@ -1758,8 +1654,8 @@
         </p:nvSpPr>
         <p:spPr>
           <a:xfrm>
-            <a:off x="311760" y="1229760"/>
-            <a:ext cx="4157640" cy="1592280"/>
+            <a:off x="457200" y="1203480"/>
+            <a:ext cx="4015800" cy="1422720"/>
           </a:xfrm>
           <a:prstGeom prst="rect">
             <a:avLst/>
@@ -1770,18 +1666,15 @@
             <a:normAutofit/>
           </a:bodyPr>
           <a:p>
-            <a:endParaRPr b="0" lang="en-IN" sz="1400" spc="-1" strike="noStrike">
-              <a:solidFill>
-                <a:srgbClr val="000000"/>
-              </a:solidFill>
-              <a:latin typeface="Arial"/>
-            </a:endParaRPr>
-          </a:p>
-        </p:txBody>
-      </p:sp>
-      <p:sp>
-        <p:nvSpPr>
-          <p:cNvPr id="80" name="PlaceHolder 3"/>
+            <a:endParaRPr b="0" lang="en-IN" sz="3200" spc="-1" strike="noStrike">
+              <a:latin typeface="Arial"/>
+            </a:endParaRPr>
+          </a:p>
+        </p:txBody>
+      </p:sp>
+      <p:sp>
+        <p:nvSpPr>
+          <p:cNvPr id="78" name="PlaceHolder 3"/>
           <p:cNvSpPr>
             <a:spLocks noGrp="1"/>
           </p:cNvSpPr>
@@ -1791,8 +1684,8 @@
         </p:nvSpPr>
         <p:spPr>
           <a:xfrm>
-            <a:off x="4677840" y="1229760"/>
-            <a:ext cx="4157640" cy="1592280"/>
+            <a:off x="4674240" y="1203480"/>
+            <a:ext cx="4015800" cy="1422720"/>
           </a:xfrm>
           <a:prstGeom prst="rect">
             <a:avLst/>
@@ -1803,18 +1696,15 @@
             <a:normAutofit/>
           </a:bodyPr>
           <a:p>
-            <a:endParaRPr b="0" lang="en-IN" sz="1400" spc="-1" strike="noStrike">
-              <a:solidFill>
-                <a:srgbClr val="000000"/>
-              </a:solidFill>
-              <a:latin typeface="Arial"/>
-            </a:endParaRPr>
-          </a:p>
-        </p:txBody>
-      </p:sp>
-      <p:sp>
-        <p:nvSpPr>
-          <p:cNvPr id="81" name="PlaceHolder 4"/>
+            <a:endParaRPr b="0" lang="en-IN" sz="3200" spc="-1" strike="noStrike">
+              <a:latin typeface="Arial"/>
+            </a:endParaRPr>
+          </a:p>
+        </p:txBody>
+      </p:sp>
+      <p:sp>
+        <p:nvSpPr>
+          <p:cNvPr id="79" name="PlaceHolder 4"/>
           <p:cNvSpPr>
             <a:spLocks noGrp="1"/>
           </p:cNvSpPr>
@@ -1824,8 +1714,8 @@
         </p:nvSpPr>
         <p:spPr>
           <a:xfrm>
-            <a:off x="311760" y="2973600"/>
-            <a:ext cx="4157640" cy="1592280"/>
+            <a:off x="457200" y="2761920"/>
+            <a:ext cx="4015800" cy="1422720"/>
           </a:xfrm>
           <a:prstGeom prst="rect">
             <a:avLst/>
@@ -1836,18 +1726,15 @@
             <a:normAutofit/>
           </a:bodyPr>
           <a:p>
-            <a:endParaRPr b="0" lang="en-IN" sz="1400" spc="-1" strike="noStrike">
-              <a:solidFill>
-                <a:srgbClr val="000000"/>
-              </a:solidFill>
-              <a:latin typeface="Arial"/>
-            </a:endParaRPr>
-          </a:p>
-        </p:txBody>
-      </p:sp>
-      <p:sp>
-        <p:nvSpPr>
-          <p:cNvPr id="82" name="PlaceHolder 5"/>
+            <a:endParaRPr b="0" lang="en-IN" sz="3200" spc="-1" strike="noStrike">
+              <a:latin typeface="Arial"/>
+            </a:endParaRPr>
+          </a:p>
+        </p:txBody>
+      </p:sp>
+      <p:sp>
+        <p:nvSpPr>
+          <p:cNvPr id="80" name="PlaceHolder 5"/>
           <p:cNvSpPr>
             <a:spLocks noGrp="1"/>
           </p:cNvSpPr>
@@ -1857,8 +1744,8 @@
         </p:nvSpPr>
         <p:spPr>
           <a:xfrm>
-            <a:off x="4677840" y="2973600"/>
-            <a:ext cx="4157640" cy="1592280"/>
+            <a:off x="4674240" y="2761920"/>
+            <a:ext cx="4015800" cy="1422720"/>
           </a:xfrm>
           <a:prstGeom prst="rect">
             <a:avLst/>
@@ -1869,10 +1756,7 @@
             <a:normAutofit/>
           </a:bodyPr>
           <a:p>
-            <a:endParaRPr b="0" lang="en-IN" sz="1400" spc="-1" strike="noStrike">
-              <a:solidFill>
-                <a:srgbClr val="000000"/>
-              </a:solidFill>
+            <a:endParaRPr b="0" lang="en-IN" sz="3200" spc="-1" strike="noStrike">
               <a:latin typeface="Arial"/>
             </a:endParaRPr>
           </a:p>
@@ -1902,7 +1786,7 @@
       </p:grpSpPr>
       <p:sp>
         <p:nvSpPr>
-          <p:cNvPr id="83" name="PlaceHolder 1"/>
+          <p:cNvPr id="81" name="PlaceHolder 1"/>
           <p:cNvSpPr>
             <a:spLocks noGrp="1"/>
           </p:cNvSpPr>
@@ -1912,8 +1796,8 @@
         </p:nvSpPr>
         <p:spPr>
           <a:xfrm>
-            <a:off x="311760" y="410040"/>
-            <a:ext cx="8520120" cy="607320"/>
+            <a:off x="457200" y="205200"/>
+            <a:ext cx="8229240" cy="858600"/>
           </a:xfrm>
           <a:prstGeom prst="rect">
             <a:avLst/>
@@ -1924,18 +1808,16 @@
             <a:noAutofit/>
           </a:bodyPr>
           <a:p>
-            <a:endParaRPr b="0" lang="en-IN" sz="1400" spc="-1" strike="noStrike">
-              <a:solidFill>
-                <a:srgbClr val="000000"/>
-              </a:solidFill>
-              <a:latin typeface="Arial"/>
-            </a:endParaRPr>
-          </a:p>
-        </p:txBody>
-      </p:sp>
-      <p:sp>
-        <p:nvSpPr>
-          <p:cNvPr id="84" name="PlaceHolder 2"/>
+            <a:pPr algn="ctr"/>
+            <a:endParaRPr b="0" lang="en-IN" sz="4400" spc="-1" strike="noStrike">
+              <a:latin typeface="Arial"/>
+            </a:endParaRPr>
+          </a:p>
+        </p:txBody>
+      </p:sp>
+      <p:sp>
+        <p:nvSpPr>
+          <p:cNvPr id="82" name="PlaceHolder 2"/>
           <p:cNvSpPr>
             <a:spLocks noGrp="1"/>
           </p:cNvSpPr>
@@ -1945,8 +1827,8 @@
         </p:nvSpPr>
         <p:spPr>
           <a:xfrm>
-            <a:off x="311760" y="1229760"/>
-            <a:ext cx="2743200" cy="1592280"/>
+            <a:off x="457200" y="1203480"/>
+            <a:ext cx="2649600" cy="1422720"/>
           </a:xfrm>
           <a:prstGeom prst="rect">
             <a:avLst/>
@@ -1957,18 +1839,15 @@
             <a:normAutofit/>
           </a:bodyPr>
           <a:p>
-            <a:endParaRPr b="0" lang="en-IN" sz="1400" spc="-1" strike="noStrike">
-              <a:solidFill>
-                <a:srgbClr val="000000"/>
-              </a:solidFill>
-              <a:latin typeface="Arial"/>
-            </a:endParaRPr>
-          </a:p>
-        </p:txBody>
-      </p:sp>
-      <p:sp>
-        <p:nvSpPr>
-          <p:cNvPr id="85" name="PlaceHolder 3"/>
+            <a:endParaRPr b="0" lang="en-IN" sz="3200" spc="-1" strike="noStrike">
+              <a:latin typeface="Arial"/>
+            </a:endParaRPr>
+          </a:p>
+        </p:txBody>
+      </p:sp>
+      <p:sp>
+        <p:nvSpPr>
+          <p:cNvPr id="83" name="PlaceHolder 3"/>
           <p:cNvSpPr>
             <a:spLocks noGrp="1"/>
           </p:cNvSpPr>
@@ -1978,8 +1857,8 @@
         </p:nvSpPr>
         <p:spPr>
           <a:xfrm>
-            <a:off x="3192480" y="1229760"/>
-            <a:ext cx="2743200" cy="1592280"/>
+            <a:off x="3239640" y="1203480"/>
+            <a:ext cx="2649600" cy="1422720"/>
           </a:xfrm>
           <a:prstGeom prst="rect">
             <a:avLst/>
@@ -1990,18 +1869,15 @@
             <a:normAutofit/>
           </a:bodyPr>
           <a:p>
-            <a:endParaRPr b="0" lang="en-IN" sz="1400" spc="-1" strike="noStrike">
-              <a:solidFill>
-                <a:srgbClr val="000000"/>
-              </a:solidFill>
-              <a:latin typeface="Arial"/>
-            </a:endParaRPr>
-          </a:p>
-        </p:txBody>
-      </p:sp>
-      <p:sp>
-        <p:nvSpPr>
-          <p:cNvPr id="86" name="PlaceHolder 4"/>
+            <a:endParaRPr b="0" lang="en-IN" sz="3200" spc="-1" strike="noStrike">
+              <a:latin typeface="Arial"/>
+            </a:endParaRPr>
+          </a:p>
+        </p:txBody>
+      </p:sp>
+      <p:sp>
+        <p:nvSpPr>
+          <p:cNvPr id="84" name="PlaceHolder 4"/>
           <p:cNvSpPr>
             <a:spLocks noGrp="1"/>
           </p:cNvSpPr>
@@ -2011,8 +1887,8 @@
         </p:nvSpPr>
         <p:spPr>
           <a:xfrm>
-            <a:off x="6073200" y="1229760"/>
-            <a:ext cx="2743200" cy="1592280"/>
+            <a:off x="6022080" y="1203480"/>
+            <a:ext cx="2649600" cy="1422720"/>
           </a:xfrm>
           <a:prstGeom prst="rect">
             <a:avLst/>
@@ -2023,18 +1899,15 @@
             <a:normAutofit/>
           </a:bodyPr>
           <a:p>
-            <a:endParaRPr b="0" lang="en-IN" sz="1400" spc="-1" strike="noStrike">
-              <a:solidFill>
-                <a:srgbClr val="000000"/>
-              </a:solidFill>
-              <a:latin typeface="Arial"/>
-            </a:endParaRPr>
-          </a:p>
-        </p:txBody>
-      </p:sp>
-      <p:sp>
-        <p:nvSpPr>
-          <p:cNvPr id="87" name="PlaceHolder 5"/>
+            <a:endParaRPr b="0" lang="en-IN" sz="3200" spc="-1" strike="noStrike">
+              <a:latin typeface="Arial"/>
+            </a:endParaRPr>
+          </a:p>
+        </p:txBody>
+      </p:sp>
+      <p:sp>
+        <p:nvSpPr>
+          <p:cNvPr id="85" name="PlaceHolder 5"/>
           <p:cNvSpPr>
             <a:spLocks noGrp="1"/>
           </p:cNvSpPr>
@@ -2044,8 +1917,8 @@
         </p:nvSpPr>
         <p:spPr>
           <a:xfrm>
-            <a:off x="311760" y="2973600"/>
-            <a:ext cx="2743200" cy="1592280"/>
+            <a:off x="457200" y="2761920"/>
+            <a:ext cx="2649600" cy="1422720"/>
           </a:xfrm>
           <a:prstGeom prst="rect">
             <a:avLst/>
@@ -2056,18 +1929,15 @@
             <a:normAutofit/>
           </a:bodyPr>
           <a:p>
-            <a:endParaRPr b="0" lang="en-IN" sz="1400" spc="-1" strike="noStrike">
-              <a:solidFill>
-                <a:srgbClr val="000000"/>
-              </a:solidFill>
-              <a:latin typeface="Arial"/>
-            </a:endParaRPr>
-          </a:p>
-        </p:txBody>
-      </p:sp>
-      <p:sp>
-        <p:nvSpPr>
-          <p:cNvPr id="88" name="PlaceHolder 6"/>
+            <a:endParaRPr b="0" lang="en-IN" sz="3200" spc="-1" strike="noStrike">
+              <a:latin typeface="Arial"/>
+            </a:endParaRPr>
+          </a:p>
+        </p:txBody>
+      </p:sp>
+      <p:sp>
+        <p:nvSpPr>
+          <p:cNvPr id="86" name="PlaceHolder 6"/>
           <p:cNvSpPr>
             <a:spLocks noGrp="1"/>
           </p:cNvSpPr>
@@ -2077,8 +1947,8 @@
         </p:nvSpPr>
         <p:spPr>
           <a:xfrm>
-            <a:off x="3192480" y="2973600"/>
-            <a:ext cx="2743200" cy="1592280"/>
+            <a:off x="3239640" y="2761920"/>
+            <a:ext cx="2649600" cy="1422720"/>
           </a:xfrm>
           <a:prstGeom prst="rect">
             <a:avLst/>
@@ -2089,18 +1959,15 @@
             <a:normAutofit/>
           </a:bodyPr>
           <a:p>
-            <a:endParaRPr b="0" lang="en-IN" sz="1400" spc="-1" strike="noStrike">
-              <a:solidFill>
-                <a:srgbClr val="000000"/>
-              </a:solidFill>
-              <a:latin typeface="Arial"/>
-            </a:endParaRPr>
-          </a:p>
-        </p:txBody>
-      </p:sp>
-      <p:sp>
-        <p:nvSpPr>
-          <p:cNvPr id="89" name="PlaceHolder 7"/>
+            <a:endParaRPr b="0" lang="en-IN" sz="3200" spc="-1" strike="noStrike">
+              <a:latin typeface="Arial"/>
+            </a:endParaRPr>
+          </a:p>
+        </p:txBody>
+      </p:sp>
+      <p:sp>
+        <p:nvSpPr>
+          <p:cNvPr id="87" name="PlaceHolder 7"/>
           <p:cNvSpPr>
             <a:spLocks noGrp="1"/>
           </p:cNvSpPr>
@@ -2110,8 +1977,8 @@
         </p:nvSpPr>
         <p:spPr>
           <a:xfrm>
-            <a:off x="6073200" y="2973600"/>
-            <a:ext cx="2743200" cy="1592280"/>
+            <a:off x="6022080" y="2761920"/>
+            <a:ext cx="2649600" cy="1422720"/>
           </a:xfrm>
           <a:prstGeom prst="rect">
             <a:avLst/>
@@ -2122,10 +1989,7 @@
             <a:normAutofit/>
           </a:bodyPr>
           <a:p>
-            <a:endParaRPr b="0" lang="en-IN" sz="1400" spc="-1" strike="noStrike">
-              <a:solidFill>
-                <a:srgbClr val="000000"/>
-              </a:solidFill>
+            <a:endParaRPr b="0" lang="en-IN" sz="3200" spc="-1" strike="noStrike">
               <a:latin typeface="Arial"/>
             </a:endParaRPr>
           </a:p>
@@ -2155,7 +2019,7 @@
       </p:grpSpPr>
       <p:sp>
         <p:nvSpPr>
-          <p:cNvPr id="11" name="PlaceHolder 1"/>
+          <p:cNvPr id="10" name="PlaceHolder 1"/>
           <p:cNvSpPr>
             <a:spLocks noGrp="1"/>
           </p:cNvSpPr>
@@ -2165,8 +2029,8 @@
         </p:nvSpPr>
         <p:spPr>
           <a:xfrm>
-            <a:off x="311760" y="410040"/>
-            <a:ext cx="8520120" cy="607320"/>
+            <a:off x="457200" y="205200"/>
+            <a:ext cx="8229240" cy="858600"/>
           </a:xfrm>
           <a:prstGeom prst="rect">
             <a:avLst/>
@@ -2177,18 +2041,16 @@
             <a:noAutofit/>
           </a:bodyPr>
           <a:p>
-            <a:endParaRPr b="0" lang="en-IN" sz="1400" spc="-1" strike="noStrike">
-              <a:solidFill>
-                <a:srgbClr val="000000"/>
-              </a:solidFill>
-              <a:latin typeface="Arial"/>
-            </a:endParaRPr>
-          </a:p>
-        </p:txBody>
-      </p:sp>
-      <p:sp>
-        <p:nvSpPr>
-          <p:cNvPr id="12" name="PlaceHolder 2"/>
+            <a:pPr algn="ctr"/>
+            <a:endParaRPr b="0" lang="en-IN" sz="4400" spc="-1" strike="noStrike">
+              <a:latin typeface="Arial"/>
+            </a:endParaRPr>
+          </a:p>
+        </p:txBody>
+      </p:sp>
+      <p:sp>
+        <p:nvSpPr>
+          <p:cNvPr id="11" name="PlaceHolder 2"/>
           <p:cNvSpPr>
             <a:spLocks noGrp="1"/>
           </p:cNvSpPr>
@@ -2198,8 +2060,8 @@
         </p:nvSpPr>
         <p:spPr>
           <a:xfrm>
-            <a:off x="311760" y="1229760"/>
-            <a:ext cx="8520120" cy="3338640"/>
+            <a:off x="457200" y="1203480"/>
+            <a:ext cx="8229240" cy="2982960"/>
           </a:xfrm>
           <a:prstGeom prst="rect">
             <a:avLst/>
@@ -2210,10 +2072,7 @@
             <a:normAutofit/>
           </a:bodyPr>
           <a:p>
-            <a:endParaRPr b="0" lang="en-IN" sz="1400" spc="-1" strike="noStrike">
-              <a:solidFill>
-                <a:srgbClr val="000000"/>
-              </a:solidFill>
+            <a:endParaRPr b="0" lang="en-IN" sz="3200" spc="-1" strike="noStrike">
               <a:latin typeface="Arial"/>
             </a:endParaRPr>
           </a:p>
@@ -2243,7 +2102,7 @@
       </p:grpSpPr>
       <p:sp>
         <p:nvSpPr>
-          <p:cNvPr id="13" name="PlaceHolder 1"/>
+          <p:cNvPr id="12" name="PlaceHolder 1"/>
           <p:cNvSpPr>
             <a:spLocks noGrp="1"/>
           </p:cNvSpPr>
@@ -2253,8 +2112,8 @@
         </p:nvSpPr>
         <p:spPr>
           <a:xfrm>
-            <a:off x="311760" y="410040"/>
-            <a:ext cx="8520120" cy="607320"/>
+            <a:off x="457200" y="205200"/>
+            <a:ext cx="8229240" cy="858600"/>
           </a:xfrm>
           <a:prstGeom prst="rect">
             <a:avLst/>
@@ -2265,18 +2124,16 @@
             <a:noAutofit/>
           </a:bodyPr>
           <a:p>
-            <a:endParaRPr b="0" lang="en-IN" sz="1400" spc="-1" strike="noStrike">
-              <a:solidFill>
-                <a:srgbClr val="000000"/>
-              </a:solidFill>
-              <a:latin typeface="Arial"/>
-            </a:endParaRPr>
-          </a:p>
-        </p:txBody>
-      </p:sp>
-      <p:sp>
-        <p:nvSpPr>
-          <p:cNvPr id="14" name="PlaceHolder 2"/>
+            <a:pPr algn="ctr"/>
+            <a:endParaRPr b="0" lang="en-IN" sz="4400" spc="-1" strike="noStrike">
+              <a:latin typeface="Arial"/>
+            </a:endParaRPr>
+          </a:p>
+        </p:txBody>
+      </p:sp>
+      <p:sp>
+        <p:nvSpPr>
+          <p:cNvPr id="13" name="PlaceHolder 2"/>
           <p:cNvSpPr>
             <a:spLocks noGrp="1"/>
           </p:cNvSpPr>
@@ -2286,8 +2143,8 @@
         </p:nvSpPr>
         <p:spPr>
           <a:xfrm>
-            <a:off x="311760" y="1229760"/>
-            <a:ext cx="4157640" cy="3338640"/>
+            <a:off x="457200" y="1203480"/>
+            <a:ext cx="4015800" cy="2982960"/>
           </a:xfrm>
           <a:prstGeom prst="rect">
             <a:avLst/>
@@ -2298,18 +2155,15 @@
             <a:normAutofit/>
           </a:bodyPr>
           <a:p>
-            <a:endParaRPr b="0" lang="en-IN" sz="1400" spc="-1" strike="noStrike">
-              <a:solidFill>
-                <a:srgbClr val="000000"/>
-              </a:solidFill>
-              <a:latin typeface="Arial"/>
-            </a:endParaRPr>
-          </a:p>
-        </p:txBody>
-      </p:sp>
-      <p:sp>
-        <p:nvSpPr>
-          <p:cNvPr id="15" name="PlaceHolder 3"/>
+            <a:endParaRPr b="0" lang="en-IN" sz="3200" spc="-1" strike="noStrike">
+              <a:latin typeface="Arial"/>
+            </a:endParaRPr>
+          </a:p>
+        </p:txBody>
+      </p:sp>
+      <p:sp>
+        <p:nvSpPr>
+          <p:cNvPr id="14" name="PlaceHolder 3"/>
           <p:cNvSpPr>
             <a:spLocks noGrp="1"/>
           </p:cNvSpPr>
@@ -2319,8 +2173,8 @@
         </p:nvSpPr>
         <p:spPr>
           <a:xfrm>
-            <a:off x="4677840" y="1229760"/>
-            <a:ext cx="4157640" cy="3338640"/>
+            <a:off x="4674240" y="1203480"/>
+            <a:ext cx="4015800" cy="2982960"/>
           </a:xfrm>
           <a:prstGeom prst="rect">
             <a:avLst/>
@@ -2331,10 +2185,7 @@
             <a:normAutofit/>
           </a:bodyPr>
           <a:p>
-            <a:endParaRPr b="0" lang="en-IN" sz="1400" spc="-1" strike="noStrike">
-              <a:solidFill>
-                <a:srgbClr val="000000"/>
-              </a:solidFill>
+            <a:endParaRPr b="0" lang="en-IN" sz="3200" spc="-1" strike="noStrike">
               <a:latin typeface="Arial"/>
             </a:endParaRPr>
           </a:p>
@@ -2364,7 +2215,7 @@
       </p:grpSpPr>
       <p:sp>
         <p:nvSpPr>
-          <p:cNvPr id="16" name="PlaceHolder 1"/>
+          <p:cNvPr id="15" name="PlaceHolder 1"/>
           <p:cNvSpPr>
             <a:spLocks noGrp="1"/>
           </p:cNvSpPr>
@@ -2374,8 +2225,8 @@
         </p:nvSpPr>
         <p:spPr>
           <a:xfrm>
-            <a:off x="311760" y="410040"/>
-            <a:ext cx="8520120" cy="607320"/>
+            <a:off x="457200" y="205200"/>
+            <a:ext cx="8229240" cy="858600"/>
           </a:xfrm>
           <a:prstGeom prst="rect">
             <a:avLst/>
@@ -2386,10 +2237,8 @@
             <a:noAutofit/>
           </a:bodyPr>
           <a:p>
-            <a:endParaRPr b="0" lang="en-IN" sz="1400" spc="-1" strike="noStrike">
-              <a:solidFill>
-                <a:srgbClr val="000000"/>
-              </a:solidFill>
+            <a:pPr algn="ctr"/>
+            <a:endParaRPr b="0" lang="en-IN" sz="4400" spc="-1" strike="noStrike">
               <a:latin typeface="Arial"/>
             </a:endParaRPr>
           </a:p>
@@ -2419,7 +2268,7 @@
       </p:grpSpPr>
       <p:sp>
         <p:nvSpPr>
-          <p:cNvPr id="17" name="PlaceHolder 1"/>
+          <p:cNvPr id="16" name="PlaceHolder 1"/>
           <p:cNvSpPr>
             <a:spLocks noGrp="1"/>
           </p:cNvSpPr>
@@ -2429,8 +2278,8 @@
         </p:nvSpPr>
         <p:spPr>
           <a:xfrm>
-            <a:off x="311760" y="410040"/>
-            <a:ext cx="8520120" cy="2816640"/>
+            <a:off x="457200" y="205200"/>
+            <a:ext cx="8229240" cy="3981240"/>
           </a:xfrm>
           <a:prstGeom prst="rect">
             <a:avLst/>
@@ -2472,7 +2321,7 @@
       </p:grpSpPr>
       <p:sp>
         <p:nvSpPr>
-          <p:cNvPr id="18" name="PlaceHolder 1"/>
+          <p:cNvPr id="17" name="PlaceHolder 1"/>
           <p:cNvSpPr>
             <a:spLocks noGrp="1"/>
           </p:cNvSpPr>
@@ -2482,8 +2331,8 @@
         </p:nvSpPr>
         <p:spPr>
           <a:xfrm>
-            <a:off x="311760" y="410040"/>
-            <a:ext cx="8520120" cy="607320"/>
+            <a:off x="457200" y="205200"/>
+            <a:ext cx="8229240" cy="858600"/>
           </a:xfrm>
           <a:prstGeom prst="rect">
             <a:avLst/>
@@ -2494,18 +2343,16 @@
             <a:noAutofit/>
           </a:bodyPr>
           <a:p>
-            <a:endParaRPr b="0" lang="en-IN" sz="1400" spc="-1" strike="noStrike">
-              <a:solidFill>
-                <a:srgbClr val="000000"/>
-              </a:solidFill>
-              <a:latin typeface="Arial"/>
-            </a:endParaRPr>
-          </a:p>
-        </p:txBody>
-      </p:sp>
-      <p:sp>
-        <p:nvSpPr>
-          <p:cNvPr id="19" name="PlaceHolder 2"/>
+            <a:pPr algn="ctr"/>
+            <a:endParaRPr b="0" lang="en-IN" sz="4400" spc="-1" strike="noStrike">
+              <a:latin typeface="Arial"/>
+            </a:endParaRPr>
+          </a:p>
+        </p:txBody>
+      </p:sp>
+      <p:sp>
+        <p:nvSpPr>
+          <p:cNvPr id="18" name="PlaceHolder 2"/>
           <p:cNvSpPr>
             <a:spLocks noGrp="1"/>
           </p:cNvSpPr>
@@ -2515,8 +2362,8 @@
         </p:nvSpPr>
         <p:spPr>
           <a:xfrm>
-            <a:off x="311760" y="1229760"/>
-            <a:ext cx="4157640" cy="1592280"/>
+            <a:off x="457200" y="1203480"/>
+            <a:ext cx="4015800" cy="1422720"/>
           </a:xfrm>
           <a:prstGeom prst="rect">
             <a:avLst/>
@@ -2527,18 +2374,15 @@
             <a:normAutofit/>
           </a:bodyPr>
           <a:p>
-            <a:endParaRPr b="0" lang="en-IN" sz="1400" spc="-1" strike="noStrike">
-              <a:solidFill>
-                <a:srgbClr val="000000"/>
-              </a:solidFill>
-              <a:latin typeface="Arial"/>
-            </a:endParaRPr>
-          </a:p>
-        </p:txBody>
-      </p:sp>
-      <p:sp>
-        <p:nvSpPr>
-          <p:cNvPr id="20" name="PlaceHolder 3"/>
+            <a:endParaRPr b="0" lang="en-IN" sz="3200" spc="-1" strike="noStrike">
+              <a:latin typeface="Arial"/>
+            </a:endParaRPr>
+          </a:p>
+        </p:txBody>
+      </p:sp>
+      <p:sp>
+        <p:nvSpPr>
+          <p:cNvPr id="19" name="PlaceHolder 3"/>
           <p:cNvSpPr>
             <a:spLocks noGrp="1"/>
           </p:cNvSpPr>
@@ -2548,8 +2392,8 @@
         </p:nvSpPr>
         <p:spPr>
           <a:xfrm>
-            <a:off x="4677840" y="1229760"/>
-            <a:ext cx="4157640" cy="3338640"/>
+            <a:off x="4674240" y="1203480"/>
+            <a:ext cx="4015800" cy="2982960"/>
           </a:xfrm>
           <a:prstGeom prst="rect">
             <a:avLst/>
@@ -2560,18 +2404,15 @@
             <a:normAutofit/>
           </a:bodyPr>
           <a:p>
-            <a:endParaRPr b="0" lang="en-IN" sz="1400" spc="-1" strike="noStrike">
-              <a:solidFill>
-                <a:srgbClr val="000000"/>
-              </a:solidFill>
-              <a:latin typeface="Arial"/>
-            </a:endParaRPr>
-          </a:p>
-        </p:txBody>
-      </p:sp>
-      <p:sp>
-        <p:nvSpPr>
-          <p:cNvPr id="21" name="PlaceHolder 4"/>
+            <a:endParaRPr b="0" lang="en-IN" sz="3200" spc="-1" strike="noStrike">
+              <a:latin typeface="Arial"/>
+            </a:endParaRPr>
+          </a:p>
+        </p:txBody>
+      </p:sp>
+      <p:sp>
+        <p:nvSpPr>
+          <p:cNvPr id="20" name="PlaceHolder 4"/>
           <p:cNvSpPr>
             <a:spLocks noGrp="1"/>
           </p:cNvSpPr>
@@ -2581,8 +2422,8 @@
         </p:nvSpPr>
         <p:spPr>
           <a:xfrm>
-            <a:off x="311760" y="2973600"/>
-            <a:ext cx="4157640" cy="1592280"/>
+            <a:off x="457200" y="2761920"/>
+            <a:ext cx="4015800" cy="1422720"/>
           </a:xfrm>
           <a:prstGeom prst="rect">
             <a:avLst/>
@@ -2593,10 +2434,7 @@
             <a:normAutofit/>
           </a:bodyPr>
           <a:p>
-            <a:endParaRPr b="0" lang="en-IN" sz="1400" spc="-1" strike="noStrike">
-              <a:solidFill>
-                <a:srgbClr val="000000"/>
-              </a:solidFill>
+            <a:endParaRPr b="0" lang="en-IN" sz="3200" spc="-1" strike="noStrike">
               <a:latin typeface="Arial"/>
             </a:endParaRPr>
           </a:p>
@@ -2626,7 +2464,7 @@
       </p:grpSpPr>
       <p:sp>
         <p:nvSpPr>
-          <p:cNvPr id="22" name="PlaceHolder 1"/>
+          <p:cNvPr id="21" name="PlaceHolder 1"/>
           <p:cNvSpPr>
             <a:spLocks noGrp="1"/>
           </p:cNvSpPr>
@@ -2636,8 +2474,8 @@
         </p:nvSpPr>
         <p:spPr>
           <a:xfrm>
-            <a:off x="311760" y="410040"/>
-            <a:ext cx="8520120" cy="607320"/>
+            <a:off x="457200" y="205200"/>
+            <a:ext cx="8229240" cy="858600"/>
           </a:xfrm>
           <a:prstGeom prst="rect">
             <a:avLst/>
@@ -2648,18 +2486,16 @@
             <a:noAutofit/>
           </a:bodyPr>
           <a:p>
-            <a:endParaRPr b="0" lang="en-IN" sz="1400" spc="-1" strike="noStrike">
-              <a:solidFill>
-                <a:srgbClr val="000000"/>
-              </a:solidFill>
-              <a:latin typeface="Arial"/>
-            </a:endParaRPr>
-          </a:p>
-        </p:txBody>
-      </p:sp>
-      <p:sp>
-        <p:nvSpPr>
-          <p:cNvPr id="23" name="PlaceHolder 2"/>
+            <a:pPr algn="ctr"/>
+            <a:endParaRPr b="0" lang="en-IN" sz="4400" spc="-1" strike="noStrike">
+              <a:latin typeface="Arial"/>
+            </a:endParaRPr>
+          </a:p>
+        </p:txBody>
+      </p:sp>
+      <p:sp>
+        <p:nvSpPr>
+          <p:cNvPr id="22" name="PlaceHolder 2"/>
           <p:cNvSpPr>
             <a:spLocks noGrp="1"/>
           </p:cNvSpPr>
@@ -2669,8 +2505,8 @@
         </p:nvSpPr>
         <p:spPr>
           <a:xfrm>
-            <a:off x="311760" y="1229760"/>
-            <a:ext cx="4157640" cy="3338640"/>
+            <a:off x="457200" y="1203480"/>
+            <a:ext cx="4015800" cy="2982960"/>
           </a:xfrm>
           <a:prstGeom prst="rect">
             <a:avLst/>
@@ -2681,18 +2517,15 @@
             <a:normAutofit/>
           </a:bodyPr>
           <a:p>
-            <a:endParaRPr b="0" lang="en-IN" sz="1400" spc="-1" strike="noStrike">
-              <a:solidFill>
-                <a:srgbClr val="000000"/>
-              </a:solidFill>
-              <a:latin typeface="Arial"/>
-            </a:endParaRPr>
-          </a:p>
-        </p:txBody>
-      </p:sp>
-      <p:sp>
-        <p:nvSpPr>
-          <p:cNvPr id="24" name="PlaceHolder 3"/>
+            <a:endParaRPr b="0" lang="en-IN" sz="3200" spc="-1" strike="noStrike">
+              <a:latin typeface="Arial"/>
+            </a:endParaRPr>
+          </a:p>
+        </p:txBody>
+      </p:sp>
+      <p:sp>
+        <p:nvSpPr>
+          <p:cNvPr id="23" name="PlaceHolder 3"/>
           <p:cNvSpPr>
             <a:spLocks noGrp="1"/>
           </p:cNvSpPr>
@@ -2702,8 +2535,8 @@
         </p:nvSpPr>
         <p:spPr>
           <a:xfrm>
-            <a:off x="4677840" y="1229760"/>
-            <a:ext cx="4157640" cy="1592280"/>
+            <a:off x="4674240" y="1203480"/>
+            <a:ext cx="4015800" cy="1422720"/>
           </a:xfrm>
           <a:prstGeom prst="rect">
             <a:avLst/>
@@ -2714,18 +2547,15 @@
             <a:normAutofit/>
           </a:bodyPr>
           <a:p>
-            <a:endParaRPr b="0" lang="en-IN" sz="1400" spc="-1" strike="noStrike">
-              <a:solidFill>
-                <a:srgbClr val="000000"/>
-              </a:solidFill>
-              <a:latin typeface="Arial"/>
-            </a:endParaRPr>
-          </a:p>
-        </p:txBody>
-      </p:sp>
-      <p:sp>
-        <p:nvSpPr>
-          <p:cNvPr id="25" name="PlaceHolder 4"/>
+            <a:endParaRPr b="0" lang="en-IN" sz="3200" spc="-1" strike="noStrike">
+              <a:latin typeface="Arial"/>
+            </a:endParaRPr>
+          </a:p>
+        </p:txBody>
+      </p:sp>
+      <p:sp>
+        <p:nvSpPr>
+          <p:cNvPr id="24" name="PlaceHolder 4"/>
           <p:cNvSpPr>
             <a:spLocks noGrp="1"/>
           </p:cNvSpPr>
@@ -2735,8 +2565,8 @@
         </p:nvSpPr>
         <p:spPr>
           <a:xfrm>
-            <a:off x="4677840" y="2973600"/>
-            <a:ext cx="4157640" cy="1592280"/>
+            <a:off x="4674240" y="2761920"/>
+            <a:ext cx="4015800" cy="1422720"/>
           </a:xfrm>
           <a:prstGeom prst="rect">
             <a:avLst/>
@@ -2747,10 +2577,7 @@
             <a:normAutofit/>
           </a:bodyPr>
           <a:p>
-            <a:endParaRPr b="0" lang="en-IN" sz="1400" spc="-1" strike="noStrike">
-              <a:solidFill>
-                <a:srgbClr val="000000"/>
-              </a:solidFill>
+            <a:endParaRPr b="0" lang="en-IN" sz="3200" spc="-1" strike="noStrike">
               <a:latin typeface="Arial"/>
             </a:endParaRPr>
           </a:p>
@@ -2780,7 +2607,7 @@
       </p:grpSpPr>
       <p:sp>
         <p:nvSpPr>
-          <p:cNvPr id="26" name="PlaceHolder 1"/>
+          <p:cNvPr id="25" name="PlaceHolder 1"/>
           <p:cNvSpPr>
             <a:spLocks noGrp="1"/>
           </p:cNvSpPr>
@@ -2790,8 +2617,8 @@
         </p:nvSpPr>
         <p:spPr>
           <a:xfrm>
-            <a:off x="311760" y="410040"/>
-            <a:ext cx="8520120" cy="607320"/>
+            <a:off x="457200" y="205200"/>
+            <a:ext cx="8229240" cy="858600"/>
           </a:xfrm>
           <a:prstGeom prst="rect">
             <a:avLst/>
@@ -2802,18 +2629,16 @@
             <a:noAutofit/>
           </a:bodyPr>
           <a:p>
-            <a:endParaRPr b="0" lang="en-IN" sz="1400" spc="-1" strike="noStrike">
-              <a:solidFill>
-                <a:srgbClr val="000000"/>
-              </a:solidFill>
-              <a:latin typeface="Arial"/>
-            </a:endParaRPr>
-          </a:p>
-        </p:txBody>
-      </p:sp>
-      <p:sp>
-        <p:nvSpPr>
-          <p:cNvPr id="27" name="PlaceHolder 2"/>
+            <a:pPr algn="ctr"/>
+            <a:endParaRPr b="0" lang="en-IN" sz="4400" spc="-1" strike="noStrike">
+              <a:latin typeface="Arial"/>
+            </a:endParaRPr>
+          </a:p>
+        </p:txBody>
+      </p:sp>
+      <p:sp>
+        <p:nvSpPr>
+          <p:cNvPr id="26" name="PlaceHolder 2"/>
           <p:cNvSpPr>
             <a:spLocks noGrp="1"/>
           </p:cNvSpPr>
@@ -2823,8 +2648,8 @@
         </p:nvSpPr>
         <p:spPr>
           <a:xfrm>
-            <a:off x="311760" y="1229760"/>
-            <a:ext cx="4157640" cy="1592280"/>
+            <a:off x="457200" y="1203480"/>
+            <a:ext cx="4015800" cy="1422720"/>
           </a:xfrm>
           <a:prstGeom prst="rect">
             <a:avLst/>
@@ -2835,18 +2660,15 @@
             <a:normAutofit/>
           </a:bodyPr>
           <a:p>
-            <a:endParaRPr b="0" lang="en-IN" sz="1400" spc="-1" strike="noStrike">
-              <a:solidFill>
-                <a:srgbClr val="000000"/>
-              </a:solidFill>
-              <a:latin typeface="Arial"/>
-            </a:endParaRPr>
-          </a:p>
-        </p:txBody>
-      </p:sp>
-      <p:sp>
-        <p:nvSpPr>
-          <p:cNvPr id="28" name="PlaceHolder 3"/>
+            <a:endParaRPr b="0" lang="en-IN" sz="3200" spc="-1" strike="noStrike">
+              <a:latin typeface="Arial"/>
+            </a:endParaRPr>
+          </a:p>
+        </p:txBody>
+      </p:sp>
+      <p:sp>
+        <p:nvSpPr>
+          <p:cNvPr id="27" name="PlaceHolder 3"/>
           <p:cNvSpPr>
             <a:spLocks noGrp="1"/>
           </p:cNvSpPr>
@@ -2856,8 +2678,8 @@
         </p:nvSpPr>
         <p:spPr>
           <a:xfrm>
-            <a:off x="4677840" y="1229760"/>
-            <a:ext cx="4157640" cy="1592280"/>
+            <a:off x="4674240" y="1203480"/>
+            <a:ext cx="4015800" cy="1422720"/>
           </a:xfrm>
           <a:prstGeom prst="rect">
             <a:avLst/>
@@ -2868,18 +2690,15 @@
             <a:normAutofit/>
           </a:bodyPr>
           <a:p>
-            <a:endParaRPr b="0" lang="en-IN" sz="1400" spc="-1" strike="noStrike">
-              <a:solidFill>
-                <a:srgbClr val="000000"/>
-              </a:solidFill>
-              <a:latin typeface="Arial"/>
-            </a:endParaRPr>
-          </a:p>
-        </p:txBody>
-      </p:sp>
-      <p:sp>
-        <p:nvSpPr>
-          <p:cNvPr id="29" name="PlaceHolder 4"/>
+            <a:endParaRPr b="0" lang="en-IN" sz="3200" spc="-1" strike="noStrike">
+              <a:latin typeface="Arial"/>
+            </a:endParaRPr>
+          </a:p>
+        </p:txBody>
+      </p:sp>
+      <p:sp>
+        <p:nvSpPr>
+          <p:cNvPr id="28" name="PlaceHolder 4"/>
           <p:cNvSpPr>
             <a:spLocks noGrp="1"/>
           </p:cNvSpPr>
@@ -2889,8 +2708,8 @@
         </p:nvSpPr>
         <p:spPr>
           <a:xfrm>
-            <a:off x="311760" y="2973600"/>
-            <a:ext cx="8520120" cy="1592280"/>
+            <a:off x="457200" y="2761920"/>
+            <a:ext cx="8229240" cy="1422720"/>
           </a:xfrm>
           <a:prstGeom prst="rect">
             <a:avLst/>
@@ -2901,10 +2720,7 @@
             <a:normAutofit/>
           </a:bodyPr>
           <a:p>
-            <a:endParaRPr b="0" lang="en-IN" sz="1400" spc="-1" strike="noStrike">
-              <a:solidFill>
-                <a:srgbClr val="000000"/>
-              </a:solidFill>
+            <a:endParaRPr b="0" lang="en-IN" sz="3200" spc="-1" strike="noStrike">
               <a:latin typeface="Arial"/>
             </a:endParaRPr>
           </a:p>
@@ -2947,10 +2763,10 @@
         </p:nvGrpSpPr>
         <p:grpSpPr>
           <a:xfrm>
-            <a:off x="6098760" y="0"/>
-            <a:ext cx="3045240" cy="2030400"/>
-            <a:chOff x="6098760" y="0"/>
-            <a:chExt cx="3045240" cy="2030400"/>
+            <a:off x="6099480" y="0"/>
+            <a:ext cx="3044520" cy="2029680"/>
+            <a:chOff x="6099480" y="0"/>
+            <a:chExt cx="3044520" cy="2029680"/>
           </a:xfrm>
         </p:grpSpPr>
         <p:sp>
@@ -2962,7 +2778,7 @@
           <p:spPr>
             <a:xfrm>
               <a:off x="8128800" y="0"/>
-              <a:ext cx="1014840" cy="1014840"/>
+              <a:ext cx="1014120" cy="1014120"/>
             </a:xfrm>
             <a:prstGeom prst="rect">
               <a:avLst/>
@@ -2989,8 +2805,8 @@
           </p:nvSpPr>
           <p:spPr>
             <a:xfrm flipH="1">
-              <a:off x="7112880" y="0"/>
-              <a:ext cx="1014840" cy="1014840"/>
+              <a:off x="7112160" y="0"/>
+              <a:ext cx="1014120" cy="1014120"/>
             </a:xfrm>
             <a:prstGeom prst="rtTriangle">
               <a:avLst/>
@@ -3017,8 +2833,8 @@
           </p:nvSpPr>
           <p:spPr>
             <a:xfrm flipH="1" rot="10800000">
-              <a:off x="7113240" y="360"/>
-              <a:ext cx="1014840" cy="1014840"/>
+              <a:off x="7113240" y="1080"/>
+              <a:ext cx="1014120" cy="1014120"/>
             </a:xfrm>
             <a:prstGeom prst="rtTriangle">
               <a:avLst/>
@@ -3045,8 +2861,8 @@
           </p:nvSpPr>
           <p:spPr>
             <a:xfrm rot="10800000">
-              <a:off x="6098760" y="0"/>
-              <a:ext cx="1014840" cy="1014840"/>
+              <a:off x="6099480" y="0"/>
+              <a:ext cx="1014120" cy="1014120"/>
             </a:xfrm>
             <a:prstGeom prst="rtTriangle">
               <a:avLst/>
@@ -3073,8 +2889,8 @@
           </p:nvSpPr>
           <p:spPr>
             <a:xfrm rot="10800000">
-              <a:off x="8129160" y="1015200"/>
-              <a:ext cx="1014840" cy="1014840"/>
+              <a:off x="8129880" y="1015200"/>
+              <a:ext cx="1014120" cy="1014120"/>
             </a:xfrm>
             <a:prstGeom prst="rtTriangle">
               <a:avLst/>
@@ -3106,31 +2922,25 @@
         </p:nvSpPr>
         <p:spPr>
           <a:xfrm>
-            <a:off x="597960" y="1775160"/>
-            <a:ext cx="8221680" cy="838440"/>
-          </a:xfrm>
-          <a:prstGeom prst="rect">
-            <a:avLst/>
-          </a:prstGeom>
-        </p:spPr>
-        <p:txBody>
-          <a:bodyPr tIns="91440" bIns="91440" anchor="b">
-            <a:normAutofit/>
-          </a:bodyPr>
-          <a:p>
-            <a:r>
-              <a:rPr b="0" lang="en-IN" sz="4200" spc="-1" strike="noStrike">
-                <a:solidFill>
-                  <a:srgbClr val="000000"/>
-                </a:solidFill>
+            <a:off x="311760" y="401040"/>
+            <a:ext cx="8519400" cy="624960"/>
+          </a:xfrm>
+          <a:prstGeom prst="rect">
+            <a:avLst/>
+          </a:prstGeom>
+        </p:spPr>
+        <p:txBody>
+          <a:bodyPr lIns="0" rIns="0" tIns="0" bIns="0" anchor="ctr">
+            <a:noAutofit/>
+          </a:bodyPr>
+          <a:p>
+            <a:r>
+              <a:rPr b="0" lang="en-IN" sz="1800" spc="-1" strike="noStrike">
                 <a:latin typeface="Arial"/>
               </a:rPr>
               <a:t>Click to edit the title text format</a:t>
             </a:r>
-            <a:endParaRPr b="0" lang="en-IN" sz="4200" spc="-1" strike="noStrike">
-              <a:solidFill>
-                <a:srgbClr val="000000"/>
-              </a:solidFill>
+            <a:endParaRPr b="0" lang="en-IN" sz="1800" spc="-1" strike="noStrike">
               <a:latin typeface="Arial"/>
             </a:endParaRPr>
           </a:p>
@@ -3143,61 +2953,13 @@
             <a:spLocks noGrp="1"/>
           </p:cNvSpPr>
           <p:nvPr>
-            <p:ph type="sldNum"/>
-          </p:nvPr>
-        </p:nvSpPr>
-        <p:spPr>
-          <a:xfrm>
-            <a:off x="8460360" y="4651200"/>
-            <a:ext cx="548280" cy="393120"/>
-          </a:xfrm>
-          <a:prstGeom prst="rect">
-            <a:avLst/>
-          </a:prstGeom>
-        </p:spPr>
-        <p:txBody>
-          <a:bodyPr tIns="91440" bIns="91440" anchor="ctr">
-            <a:normAutofit/>
-          </a:bodyPr>
-          <a:p>
-            <a:pPr algn="r">
-              <a:lnSpc>
-                <a:spcPct val="100000"/>
-              </a:lnSpc>
-              <a:tabLst>
-                <a:tab algn="l" pos="0"/>
-              </a:tabLst>
-            </a:pPr>
-            <a:fld id="{318F5650-D55E-4B69-A9FD-3FF46B7457C8}" type="slidenum">
-              <a:rPr b="0" lang="en" sz="1000" spc="-1" strike="noStrike">
-                <a:solidFill>
-                  <a:srgbClr val="ffffff"/>
-                </a:solidFill>
-                <a:latin typeface="Roboto"/>
-                <a:ea typeface="Roboto"/>
-              </a:rPr>
-              <a:t>&lt;number&gt;</a:t>
-            </a:fld>
-            <a:endParaRPr b="0" lang="en-IN" sz="1000" spc="-1" strike="noStrike">
-              <a:latin typeface="Times New Roman"/>
-            </a:endParaRPr>
-          </a:p>
-        </p:txBody>
-      </p:sp>
-      <p:sp>
-        <p:nvSpPr>
-          <p:cNvPr id="8" name="PlaceHolder 9"/>
-          <p:cNvSpPr>
-            <a:spLocks noGrp="1"/>
-          </p:cNvSpPr>
-          <p:nvPr>
             <p:ph type="body"/>
           </p:nvPr>
         </p:nvSpPr>
         <p:spPr>
           <a:xfrm>
-            <a:off x="457200" y="1203480"/>
-            <a:ext cx="8229240" cy="2982960"/>
+            <a:off x="311760" y="1229760"/>
+            <a:ext cx="8519400" cy="3337920"/>
           </a:xfrm>
           <a:prstGeom prst="rect">
             <a:avLst/>
@@ -3220,18 +2982,12 @@
               <a:buChar char=""/>
             </a:pPr>
             <a:r>
-              <a:rPr b="0" lang="en-IN" sz="1400" spc="-1" strike="noStrike">
-                <a:solidFill>
-                  <a:srgbClr val="000000"/>
-                </a:solidFill>
+              <a:rPr b="0" lang="en-IN" sz="1800" spc="-1" strike="noStrike">
                 <a:latin typeface="Arial"/>
               </a:rPr>
               <a:t>Click to edit the outline text format</a:t>
             </a:r>
-            <a:endParaRPr b="0" lang="en-IN" sz="1400" spc="-1" strike="noStrike">
-              <a:solidFill>
-                <a:srgbClr val="000000"/>
-              </a:solidFill>
+            <a:endParaRPr b="0" lang="en-IN" sz="1800" spc="-1" strike="noStrike">
               <a:latin typeface="Arial"/>
             </a:endParaRPr>
           </a:p>
@@ -3248,18 +3004,12 @@
               <a:buChar char=""/>
             </a:pPr>
             <a:r>
-              <a:rPr b="0" lang="en-IN" sz="1400" spc="-1" strike="noStrike">
-                <a:solidFill>
-                  <a:srgbClr val="000000"/>
-                </a:solidFill>
+              <a:rPr b="0" lang="en-IN" sz="1800" spc="-1" strike="noStrike">
                 <a:latin typeface="Arial"/>
               </a:rPr>
               <a:t>Second Outline Level</a:t>
             </a:r>
-            <a:endParaRPr b="0" lang="en-IN" sz="1400" spc="-1" strike="noStrike">
-              <a:solidFill>
-                <a:srgbClr val="000000"/>
-              </a:solidFill>
+            <a:endParaRPr b="0" lang="en-IN" sz="1800" spc="-1" strike="noStrike">
               <a:latin typeface="Arial"/>
             </a:endParaRPr>
           </a:p>
@@ -3276,18 +3026,12 @@
               <a:buChar char=""/>
             </a:pPr>
             <a:r>
-              <a:rPr b="0" lang="en-IN" sz="1400" spc="-1" strike="noStrike">
-                <a:solidFill>
-                  <a:srgbClr val="000000"/>
-                </a:solidFill>
+              <a:rPr b="0" lang="en-IN" sz="1800" spc="-1" strike="noStrike">
                 <a:latin typeface="Arial"/>
               </a:rPr>
               <a:t>Third Outline Level</a:t>
             </a:r>
-            <a:endParaRPr b="0" lang="en-IN" sz="1400" spc="-1" strike="noStrike">
-              <a:solidFill>
-                <a:srgbClr val="000000"/>
-              </a:solidFill>
+            <a:endParaRPr b="0" lang="en-IN" sz="1800" spc="-1" strike="noStrike">
               <a:latin typeface="Arial"/>
             </a:endParaRPr>
           </a:p>
@@ -3304,18 +3048,12 @@
               <a:buChar char=""/>
             </a:pPr>
             <a:r>
-              <a:rPr b="0" lang="en-IN" sz="1400" spc="-1" strike="noStrike">
-                <a:solidFill>
-                  <a:srgbClr val="000000"/>
-                </a:solidFill>
+              <a:rPr b="0" lang="en-IN" sz="1800" spc="-1" strike="noStrike">
                 <a:latin typeface="Arial"/>
               </a:rPr>
               <a:t>Fourth Outline Level</a:t>
             </a:r>
-            <a:endParaRPr b="0" lang="en-IN" sz="1400" spc="-1" strike="noStrike">
-              <a:solidFill>
-                <a:srgbClr val="000000"/>
-              </a:solidFill>
+            <a:endParaRPr b="0" lang="en-IN" sz="1800" spc="-1" strike="noStrike">
               <a:latin typeface="Arial"/>
             </a:endParaRPr>
           </a:p>
@@ -3332,18 +3070,12 @@
               <a:buChar char=""/>
             </a:pPr>
             <a:r>
-              <a:rPr b="0" lang="en-IN" sz="2000" spc="-1" strike="noStrike">
-                <a:solidFill>
-                  <a:srgbClr val="000000"/>
-                </a:solidFill>
+              <a:rPr b="0" lang="en-IN" sz="1800" spc="-1" strike="noStrike">
                 <a:latin typeface="Arial"/>
               </a:rPr>
               <a:t>Fifth Outline Level</a:t>
             </a:r>
-            <a:endParaRPr b="0" lang="en-IN" sz="2000" spc="-1" strike="noStrike">
-              <a:solidFill>
-                <a:srgbClr val="000000"/>
-              </a:solidFill>
+            <a:endParaRPr b="0" lang="en-IN" sz="1800" spc="-1" strike="noStrike">
               <a:latin typeface="Arial"/>
             </a:endParaRPr>
           </a:p>
@@ -3360,18 +3092,12 @@
               <a:buChar char=""/>
             </a:pPr>
             <a:r>
-              <a:rPr b="0" lang="en-IN" sz="2000" spc="-1" strike="noStrike">
-                <a:solidFill>
-                  <a:srgbClr val="000000"/>
-                </a:solidFill>
+              <a:rPr b="0" lang="en-IN" sz="1800" spc="-1" strike="noStrike">
                 <a:latin typeface="Arial"/>
               </a:rPr>
               <a:t>Sixth Outline Level</a:t>
             </a:r>
-            <a:endParaRPr b="0" lang="en-IN" sz="2000" spc="-1" strike="noStrike">
-              <a:solidFill>
-                <a:srgbClr val="000000"/>
-              </a:solidFill>
+            <a:endParaRPr b="0" lang="en-IN" sz="1800" spc="-1" strike="noStrike">
               <a:latin typeface="Arial"/>
             </a:endParaRPr>
           </a:p>
@@ -3388,18 +3114,12 @@
               <a:buChar char=""/>
             </a:pPr>
             <a:r>
-              <a:rPr b="0" lang="en-IN" sz="2000" spc="-1" strike="noStrike">
-                <a:solidFill>
-                  <a:srgbClr val="000000"/>
-                </a:solidFill>
+              <a:rPr b="0" lang="en-IN" sz="1800" spc="-1" strike="noStrike">
                 <a:latin typeface="Arial"/>
               </a:rPr>
               <a:t>Seventh Outline Level</a:t>
             </a:r>
-            <a:endParaRPr b="0" lang="en-IN" sz="2000" spc="-1" strike="noStrike">
-              <a:solidFill>
-                <a:srgbClr val="000000"/>
-              </a:solidFill>
+            <a:endParaRPr b="0" lang="en-IN" sz="1800" spc="-1" strike="noStrike">
               <a:latin typeface="Arial"/>
             </a:endParaRPr>
           </a:p>
@@ -3451,28 +3171,28 @@
       </p:grpSpPr>
       <p:grpSp>
         <p:nvGrpSpPr>
-          <p:cNvPr id="45" name="Group 1"/>
+          <p:cNvPr id="44" name="Group 1"/>
           <p:cNvGrpSpPr/>
           <p:nvPr/>
         </p:nvGrpSpPr>
         <p:grpSpPr>
           <a:xfrm>
             <a:off x="0" y="3903840"/>
-            <a:ext cx="9144000" cy="1239480"/>
+            <a:ext cx="9144000" cy="1238760"/>
             <a:chOff x="0" y="3903840"/>
-            <a:chExt cx="9144000" cy="1239480"/>
+            <a:chExt cx="9144000" cy="1238760"/>
           </a:xfrm>
         </p:grpSpPr>
         <p:sp>
           <p:nvSpPr>
-            <p:cNvPr id="46" name="CustomShape 2"/>
+            <p:cNvPr id="45" name="CustomShape 2"/>
             <p:cNvSpPr/>
             <p:nvPr/>
           </p:nvSpPr>
           <p:spPr>
             <a:xfrm>
               <a:off x="8154720" y="3903840"/>
-              <a:ext cx="988920" cy="987480"/>
+              <a:ext cx="988200" cy="986760"/>
             </a:xfrm>
             <a:prstGeom prst="rtTriangle">
               <a:avLst/>
@@ -3493,14 +3213,14 @@
         </p:sp>
         <p:sp>
           <p:nvSpPr>
-            <p:cNvPr id="47" name="CustomShape 3"/>
+            <p:cNvPr id="46" name="CustomShape 3"/>
             <p:cNvSpPr/>
             <p:nvPr/>
           </p:nvSpPr>
           <p:spPr>
             <a:xfrm flipH="1">
-              <a:off x="6180480" y="3903840"/>
-              <a:ext cx="988920" cy="987480"/>
+              <a:off x="6179760" y="3903840"/>
+              <a:ext cx="988200" cy="986760"/>
             </a:xfrm>
             <a:prstGeom prst="rtTriangle">
               <a:avLst/>
@@ -3521,14 +3241,14 @@
         </p:sp>
         <p:sp>
           <p:nvSpPr>
-            <p:cNvPr id="48" name="CustomShape 4"/>
+            <p:cNvPr id="47" name="CustomShape 4"/>
             <p:cNvSpPr/>
             <p:nvPr/>
           </p:nvSpPr>
           <p:spPr>
             <a:xfrm>
               <a:off x="7170120" y="3903840"/>
-              <a:ext cx="988920" cy="987480"/>
+              <a:ext cx="988200" cy="986760"/>
             </a:xfrm>
             <a:prstGeom prst="rect">
               <a:avLst/>
@@ -3549,14 +3269,14 @@
         </p:sp>
         <p:sp>
           <p:nvSpPr>
-            <p:cNvPr id="49" name="CustomShape 5"/>
+            <p:cNvPr id="48" name="CustomShape 5"/>
             <p:cNvSpPr/>
             <p:nvPr/>
           </p:nvSpPr>
           <p:spPr>
             <a:xfrm rot="10800000">
-              <a:off x="8155080" y="3904200"/>
-              <a:ext cx="988920" cy="987480"/>
+              <a:off x="8155800" y="3904920"/>
+              <a:ext cx="988200" cy="986760"/>
             </a:xfrm>
             <a:prstGeom prst="rtTriangle">
               <a:avLst/>
@@ -3577,14 +3297,14 @@
         </p:sp>
         <p:sp>
           <p:nvSpPr>
-            <p:cNvPr id="50" name="CustomShape 6"/>
+            <p:cNvPr id="49" name="CustomShape 6"/>
             <p:cNvSpPr/>
             <p:nvPr/>
           </p:nvSpPr>
           <p:spPr>
             <a:xfrm>
               <a:off x="0" y="4891680"/>
-              <a:ext cx="9143640" cy="251640"/>
+              <a:ext cx="9142920" cy="250920"/>
             </a:xfrm>
             <a:prstGeom prst="rect">
               <a:avLst/>
@@ -3606,7 +3326,7 @@
       </p:grpSp>
       <p:sp>
         <p:nvSpPr>
-          <p:cNvPr id="51" name="PlaceHolder 7"/>
+          <p:cNvPr id="50" name="PlaceHolder 7"/>
           <p:cNvSpPr>
             <a:spLocks noGrp="1"/>
           </p:cNvSpPr>
@@ -3616,39 +3336,34 @@
         </p:nvSpPr>
         <p:spPr>
           <a:xfrm>
-            <a:off x="311760" y="410040"/>
-            <a:ext cx="8520120" cy="607320"/>
-          </a:xfrm>
-          <a:prstGeom prst="rect">
-            <a:avLst/>
-          </a:prstGeom>
-        </p:spPr>
-        <p:txBody>
-          <a:bodyPr tIns="91440" bIns="91440">
-            <a:normAutofit fontScale="97000"/>
-          </a:bodyPr>
-          <a:p>
-            <a:r>
-              <a:rPr b="0" lang="en-IN" sz="3000" spc="-1" strike="noStrike">
-                <a:solidFill>
-                  <a:srgbClr val="000000"/>
-                </a:solidFill>
+            <a:off x="457200" y="205200"/>
+            <a:ext cx="8229240" cy="858600"/>
+          </a:xfrm>
+          <a:prstGeom prst="rect">
+            <a:avLst/>
+          </a:prstGeom>
+        </p:spPr>
+        <p:txBody>
+          <a:bodyPr lIns="0" rIns="0" tIns="0" bIns="0" anchor="ctr">
+            <a:noAutofit/>
+          </a:bodyPr>
+          <a:p>
+            <a:pPr algn="ctr"/>
+            <a:r>
+              <a:rPr b="0" lang="en-IN" sz="4400" spc="-1" strike="noStrike">
                 <a:latin typeface="Arial"/>
               </a:rPr>
               <a:t>Click to edit the title text format</a:t>
             </a:r>
-            <a:endParaRPr b="0" lang="en-IN" sz="3000" spc="-1" strike="noStrike">
-              <a:solidFill>
-                <a:srgbClr val="000000"/>
-              </a:solidFill>
-              <a:latin typeface="Arial"/>
-            </a:endParaRPr>
-          </a:p>
-        </p:txBody>
-      </p:sp>
-      <p:sp>
-        <p:nvSpPr>
-          <p:cNvPr id="52" name="PlaceHolder 8"/>
+            <a:endParaRPr b="0" lang="en-IN" sz="4400" spc="-1" strike="noStrike">
+              <a:latin typeface="Arial"/>
+            </a:endParaRPr>
+          </a:p>
+        </p:txBody>
+      </p:sp>
+      <p:sp>
+        <p:nvSpPr>
+          <p:cNvPr id="51" name="PlaceHolder 8"/>
           <p:cNvSpPr>
             <a:spLocks noGrp="1"/>
           </p:cNvSpPr>
@@ -3658,15 +3373,15 @@
         </p:nvSpPr>
         <p:spPr>
           <a:xfrm>
-            <a:off x="311760" y="1229760"/>
-            <a:ext cx="8520120" cy="3338640"/>
-          </a:xfrm>
-          <a:prstGeom prst="rect">
-            <a:avLst/>
-          </a:prstGeom>
-        </p:spPr>
-        <p:txBody>
-          <a:bodyPr tIns="91440" bIns="91440">
+            <a:off x="457200" y="1203480"/>
+            <a:ext cx="8229240" cy="2982960"/>
+          </a:xfrm>
+          <a:prstGeom prst="rect">
+            <a:avLst/>
+          </a:prstGeom>
+        </p:spPr>
+        <p:txBody>
+          <a:bodyPr lIns="0" rIns="0" tIns="0" bIns="0">
             <a:normAutofit/>
           </a:bodyPr>
           <a:p>
@@ -3682,18 +3397,12 @@
               <a:buChar char=""/>
             </a:pPr>
             <a:r>
-              <a:rPr b="0" lang="en-IN" sz="1800" spc="-1" strike="noStrike">
-                <a:solidFill>
-                  <a:srgbClr val="000000"/>
-                </a:solidFill>
+              <a:rPr b="0" lang="en-IN" sz="3200" spc="-1" strike="noStrike">
                 <a:latin typeface="Arial"/>
               </a:rPr>
               <a:t>Click to edit the outline text format</a:t>
             </a:r>
-            <a:endParaRPr b="0" lang="en-IN" sz="1800" spc="-1" strike="noStrike">
-              <a:solidFill>
-                <a:srgbClr val="000000"/>
-              </a:solidFill>
+            <a:endParaRPr b="0" lang="en-IN" sz="3200" spc="-1" strike="noStrike">
               <a:latin typeface="Arial"/>
             </a:endParaRPr>
           </a:p>
@@ -3710,18 +3419,12 @@
               <a:buChar char=""/>
             </a:pPr>
             <a:r>
-              <a:rPr b="0" lang="en-IN" sz="1800" spc="-1" strike="noStrike">
-                <a:solidFill>
-                  <a:srgbClr val="000000"/>
-                </a:solidFill>
+              <a:rPr b="0" lang="en-IN" sz="2800" spc="-1" strike="noStrike">
                 <a:latin typeface="Arial"/>
               </a:rPr>
               <a:t>Second Outline Level</a:t>
             </a:r>
-            <a:endParaRPr b="0" lang="en-IN" sz="1800" spc="-1" strike="noStrike">
-              <a:solidFill>
-                <a:srgbClr val="000000"/>
-              </a:solidFill>
+            <a:endParaRPr b="0" lang="en-IN" sz="2800" spc="-1" strike="noStrike">
               <a:latin typeface="Arial"/>
             </a:endParaRPr>
           </a:p>
@@ -3738,18 +3441,12 @@
               <a:buChar char=""/>
             </a:pPr>
             <a:r>
-              <a:rPr b="0" lang="en-IN" sz="1800" spc="-1" strike="noStrike">
-                <a:solidFill>
-                  <a:srgbClr val="000000"/>
-                </a:solidFill>
+              <a:rPr b="0" lang="en-IN" sz="2400" spc="-1" strike="noStrike">
                 <a:latin typeface="Arial"/>
               </a:rPr>
               <a:t>Third Outline Level</a:t>
             </a:r>
-            <a:endParaRPr b="0" lang="en-IN" sz="1800" spc="-1" strike="noStrike">
-              <a:solidFill>
-                <a:srgbClr val="000000"/>
-              </a:solidFill>
+            <a:endParaRPr b="0" lang="en-IN" sz="2400" spc="-1" strike="noStrike">
               <a:latin typeface="Arial"/>
             </a:endParaRPr>
           </a:p>
@@ -3766,18 +3463,12 @@
               <a:buChar char=""/>
             </a:pPr>
             <a:r>
-              <a:rPr b="0" lang="en-IN" sz="1800" spc="-1" strike="noStrike">
-                <a:solidFill>
-                  <a:srgbClr val="000000"/>
-                </a:solidFill>
+              <a:rPr b="0" lang="en-IN" sz="2000" spc="-1" strike="noStrike">
                 <a:latin typeface="Arial"/>
               </a:rPr>
               <a:t>Fourth Outline Level</a:t>
             </a:r>
-            <a:endParaRPr b="0" lang="en-IN" sz="1800" spc="-1" strike="noStrike">
-              <a:solidFill>
-                <a:srgbClr val="000000"/>
-              </a:solidFill>
+            <a:endParaRPr b="0" lang="en-IN" sz="2000" spc="-1" strike="noStrike">
               <a:latin typeface="Arial"/>
             </a:endParaRPr>
           </a:p>
@@ -3794,18 +3485,12 @@
               <a:buChar char=""/>
             </a:pPr>
             <a:r>
-              <a:rPr b="0" lang="en-IN" sz="1800" spc="-1" strike="noStrike">
-                <a:solidFill>
-                  <a:srgbClr val="000000"/>
-                </a:solidFill>
+              <a:rPr b="0" lang="en-IN" sz="2000" spc="-1" strike="noStrike">
                 <a:latin typeface="Arial"/>
               </a:rPr>
               <a:t>Fifth Outline Level</a:t>
             </a:r>
-            <a:endParaRPr b="0" lang="en-IN" sz="1800" spc="-1" strike="noStrike">
-              <a:solidFill>
-                <a:srgbClr val="000000"/>
-              </a:solidFill>
+            <a:endParaRPr b="0" lang="en-IN" sz="2000" spc="-1" strike="noStrike">
               <a:latin typeface="Arial"/>
             </a:endParaRPr>
           </a:p>
@@ -3822,18 +3507,12 @@
               <a:buChar char=""/>
             </a:pPr>
             <a:r>
-              <a:rPr b="0" lang="en-IN" sz="1800" spc="-1" strike="noStrike">
-                <a:solidFill>
-                  <a:srgbClr val="000000"/>
-                </a:solidFill>
+              <a:rPr b="0" lang="en-IN" sz="2000" spc="-1" strike="noStrike">
                 <a:latin typeface="Arial"/>
               </a:rPr>
               <a:t>Sixth Outline Level</a:t>
             </a:r>
-            <a:endParaRPr b="0" lang="en-IN" sz="1800" spc="-1" strike="noStrike">
-              <a:solidFill>
-                <a:srgbClr val="000000"/>
-              </a:solidFill>
+            <a:endParaRPr b="0" lang="en-IN" sz="2000" spc="-1" strike="noStrike">
               <a:latin typeface="Arial"/>
             </a:endParaRPr>
           </a:p>
@@ -3850,67 +3529,13 @@
               <a:buChar char=""/>
             </a:pPr>
             <a:r>
-              <a:rPr b="0" lang="en-IN" sz="1800" spc="-1" strike="noStrike">
-                <a:solidFill>
-                  <a:srgbClr val="000000"/>
-                </a:solidFill>
+              <a:rPr b="0" lang="en-IN" sz="2000" spc="-1" strike="noStrike">
                 <a:latin typeface="Arial"/>
               </a:rPr>
               <a:t>Seventh Outline Level</a:t>
             </a:r>
-            <a:endParaRPr b="0" lang="en-IN" sz="1800" spc="-1" strike="noStrike">
-              <a:solidFill>
-                <a:srgbClr val="000000"/>
-              </a:solidFill>
-              <a:latin typeface="Arial"/>
-            </a:endParaRPr>
-          </a:p>
-        </p:txBody>
-      </p:sp>
-      <p:sp>
-        <p:nvSpPr>
-          <p:cNvPr id="53" name="PlaceHolder 9"/>
-          <p:cNvSpPr>
-            <a:spLocks noGrp="1"/>
-          </p:cNvSpPr>
-          <p:nvPr>
-            <p:ph type="sldNum"/>
-          </p:nvPr>
-        </p:nvSpPr>
-        <p:spPr>
-          <a:xfrm>
-            <a:off x="8460360" y="4651200"/>
-            <a:ext cx="548280" cy="393120"/>
-          </a:xfrm>
-          <a:prstGeom prst="rect">
-            <a:avLst/>
-          </a:prstGeom>
-        </p:spPr>
-        <p:txBody>
-          <a:bodyPr tIns="91440" bIns="91440" anchor="ctr">
-            <a:normAutofit/>
-          </a:bodyPr>
-          <a:p>
-            <a:pPr algn="r">
-              <a:lnSpc>
-                <a:spcPct val="100000"/>
-              </a:lnSpc>
-              <a:tabLst>
-                <a:tab algn="l" pos="0"/>
-              </a:tabLst>
-            </a:pPr>
-            <a:fld id="{6518E35B-C814-4C69-B06F-D16B01211D72}" type="slidenum">
-              <a:rPr b="0" lang="en" sz="1000" spc="-1" strike="noStrike">
-                <a:solidFill>
-                  <a:srgbClr val="ffffff"/>
-                </a:solidFill>
-                <a:latin typeface="Roboto"/>
-                <a:ea typeface="Roboto"/>
-              </a:rPr>
-              <a:t>&lt;number&gt;</a:t>
-            </a:fld>
-            <a:endParaRPr b="0" lang="en-IN" sz="1000" spc="-1" strike="noStrike">
-              <a:latin typeface="Times New Roman"/>
+            <a:endParaRPr b="0" lang="en-IN" sz="2000" spc="-1" strike="noStrike">
+              <a:latin typeface="Arial"/>
             </a:endParaRPr>
           </a:p>
         </p:txBody>
@@ -3954,14 +3579,14 @@
       </p:grpSpPr>
       <p:sp>
         <p:nvSpPr>
-          <p:cNvPr id="90" name="TextShape 1"/>
-          <p:cNvSpPr txBox="1"/>
+          <p:cNvPr id="88" name="CustomShape 1"/>
+          <p:cNvSpPr/>
           <p:nvPr/>
         </p:nvSpPr>
         <p:spPr>
           <a:xfrm>
             <a:off x="597960" y="1775160"/>
-            <a:ext cx="8221680" cy="838440"/>
+            <a:ext cx="8220960" cy="837720"/>
           </a:xfrm>
           <a:prstGeom prst="rect">
             <a:avLst/>
@@ -3971,8 +3596,14 @@
             <a:noFill/>
           </a:ln>
         </p:spPr>
-        <p:txBody>
-          <a:bodyPr tIns="91440" bIns="91440" anchor="b">
+        <p:style>
+          <a:lnRef idx="0"/>
+          <a:fillRef idx="0"/>
+          <a:effectRef idx="0"/>
+          <a:fontRef idx="minor"/>
+        </p:style>
+        <p:txBody>
+          <a:bodyPr lIns="90000" rIns="90000" tIns="91440" bIns="91440" anchor="b">
             <a:normAutofit fontScale="14000"/>
           </a:bodyPr>
           <a:p>
@@ -3995,24 +3626,21 @@
               <a:t>Enhanced Gram-Schmidt Spectral Sharpening Based on Multivariate Regression of MS and Pan Data </a:t>
             </a:r>
             <a:endParaRPr b="0" lang="en-IN" sz="4000" spc="-1" strike="noStrike">
-              <a:solidFill>
-                <a:srgbClr val="000000"/>
-              </a:solidFill>
-              <a:latin typeface="Arial"/>
-            </a:endParaRPr>
-          </a:p>
-        </p:txBody>
-      </p:sp>
-      <p:sp>
-        <p:nvSpPr>
-          <p:cNvPr id="91" name="TextShape 2"/>
-          <p:cNvSpPr txBox="1"/>
+              <a:latin typeface="Arial"/>
+            </a:endParaRPr>
+          </a:p>
+        </p:txBody>
+      </p:sp>
+      <p:sp>
+        <p:nvSpPr>
+          <p:cNvPr id="89" name="CustomShape 2"/>
+          <p:cNvSpPr/>
           <p:nvPr/>
         </p:nvSpPr>
         <p:spPr>
           <a:xfrm>
             <a:off x="597960" y="2715840"/>
-            <a:ext cx="8221680" cy="432720"/>
+            <a:ext cx="8220960" cy="432000"/>
           </a:xfrm>
           <a:prstGeom prst="rect">
             <a:avLst/>
@@ -4022,9 +3650,15 @@
             <a:noFill/>
           </a:ln>
         </p:spPr>
-        <p:txBody>
-          <a:bodyPr tIns="91440" bIns="91440">
-            <a:normAutofit fontScale="71000"/>
+        <p:style>
+          <a:lnRef idx="0"/>
+          <a:fillRef idx="0"/>
+          <a:effectRef idx="0"/>
+          <a:fontRef idx="minor"/>
+        </p:style>
+        <p:txBody>
+          <a:bodyPr lIns="90000" rIns="90000" tIns="91440" bIns="91440">
+            <a:normAutofit fontScale="70000"/>
           </a:bodyPr>
           <a:p>
             <a:pPr>
@@ -4055,10 +3689,14 @@
   </p:cSld>
   <mc:AlternateContent>
     <mc:Choice Requires="p14">
-      <p:transition spd="slow" p14:dur="2000"/>
+      <p:transition spd="slow" p14:dur="2000">
+        <p14:ripple/>
+      </p:transition>
     </mc:Choice>
     <mc:Fallback>
-      <p:transition spd="slow"/>
+      <p:transition spd="slow">
+        <p:fade/>
+      </p:transition>
     </mc:Fallback>
   </mc:AlternateContent>
 </p:sld>
@@ -4083,14 +3721,14 @@
       </p:grpSpPr>
       <p:sp>
         <p:nvSpPr>
-          <p:cNvPr id="92" name="TextShape 1"/>
-          <p:cNvSpPr txBox="1"/>
+          <p:cNvPr id="90" name="CustomShape 1"/>
+          <p:cNvSpPr/>
           <p:nvPr/>
         </p:nvSpPr>
         <p:spPr>
           <a:xfrm>
             <a:off x="311760" y="1229760"/>
-            <a:ext cx="8520120" cy="3338640"/>
+            <a:ext cx="8519400" cy="3337920"/>
           </a:xfrm>
           <a:prstGeom prst="rect">
             <a:avLst/>
@@ -4100,12 +3738,21 @@
             <a:noFill/>
           </a:ln>
         </p:spPr>
+        <p:style>
+          <a:lnRef idx="0"/>
+          <a:fillRef idx="0"/>
+          <a:effectRef idx="0"/>
+          <a:fontRef idx="minor"/>
+        </p:style>
         <p:txBody>
           <a:bodyPr lIns="0" rIns="0" tIns="0" bIns="0">
             <a:normAutofit/>
           </a:bodyPr>
           <a:p>
-            <a:pPr marL="432000" indent="-324000">
+            <a:pPr marL="432000" indent="-323280">
+              <a:lnSpc>
+                <a:spcPct val="100000"/>
+              </a:lnSpc>
               <a:spcBef>
                 <a:spcPts val="1417"/>
               </a:spcBef>
@@ -4122,8 +3769,9 @@
                   <a:srgbClr val="000000"/>
                 </a:solidFill>
                 <a:latin typeface="Arial"/>
-              </a:rPr>
-              <a:t>​</a:t>
+                <a:ea typeface="DejaVu Sans"/>
+              </a:rPr>
+              <a:t>​ </a:t>
             </a:r>
             <a:r>
               <a:rPr b="0" lang="en-IN" sz="3200" spc="-1" strike="noStrike">
@@ -4131,18 +3779,19 @@
                   <a:srgbClr val="000000"/>
                 </a:solidFill>
                 <a:latin typeface="Arial"/>
-              </a:rPr>
-              <a:t>1. Bruno Aiazzi</a:t>
-            </a:r>
-            <a:endParaRPr b="0" lang="en-IN" sz="3200" spc="-1" strike="noStrike">
-              <a:solidFill>
-                <a:srgbClr val="000000"/>
-              </a:solidFill>
-              <a:latin typeface="Arial"/>
-            </a:endParaRPr>
-          </a:p>
-          <a:p>
-            <a:pPr marL="432000" indent="-324000">
+                <a:ea typeface="DejaVu Sans"/>
+              </a:rPr>
+              <a:t>Bruno Aiazzi</a:t>
+            </a:r>
+            <a:endParaRPr b="0" lang="en-IN" sz="3200" spc="-1" strike="noStrike">
+              <a:latin typeface="Arial"/>
+            </a:endParaRPr>
+          </a:p>
+          <a:p>
+            <a:pPr marL="432000" indent="-323280">
+              <a:lnSpc>
+                <a:spcPct val="100000"/>
+              </a:lnSpc>
               <a:spcBef>
                 <a:spcPts val="1417"/>
               </a:spcBef>
@@ -4159,18 +3808,19 @@
                   <a:srgbClr val="000000"/>
                 </a:solidFill>
                 <a:latin typeface="Arial"/>
-              </a:rPr>
-              <a:t>2. Stefano Baronti</a:t>
-            </a:r>
-            <a:endParaRPr b="0" lang="en-IN" sz="3200" spc="-1" strike="noStrike">
-              <a:solidFill>
-                <a:srgbClr val="000000"/>
-              </a:solidFill>
-              <a:latin typeface="Arial"/>
-            </a:endParaRPr>
-          </a:p>
-          <a:p>
-            <a:pPr marL="432000" indent="-324000">
+                <a:ea typeface="DejaVu Sans"/>
+              </a:rPr>
+              <a:t>Stefano Baronti</a:t>
+            </a:r>
+            <a:endParaRPr b="0" lang="en-IN" sz="3200" spc="-1" strike="noStrike">
+              <a:latin typeface="Arial"/>
+            </a:endParaRPr>
+          </a:p>
+          <a:p>
+            <a:pPr marL="432000" indent="-323280">
+              <a:lnSpc>
+                <a:spcPct val="100000"/>
+              </a:lnSpc>
               <a:spcBef>
                 <a:spcPts val="1417"/>
               </a:spcBef>
@@ -4187,18 +3837,19 @@
                   <a:srgbClr val="000000"/>
                 </a:solidFill>
                 <a:latin typeface="Arial"/>
-              </a:rPr>
-              <a:t>3.Massimo Selva </a:t>
-            </a:r>
-            <a:endParaRPr b="0" lang="en-IN" sz="3200" spc="-1" strike="noStrike">
-              <a:solidFill>
-                <a:srgbClr val="000000"/>
-              </a:solidFill>
-              <a:latin typeface="Arial"/>
-            </a:endParaRPr>
-          </a:p>
-          <a:p>
-            <a:pPr marL="432000" indent="-324000">
+                <a:ea typeface="DejaVu Sans"/>
+              </a:rPr>
+              <a:t>Massimo Selva </a:t>
+            </a:r>
+            <a:endParaRPr b="0" lang="en-IN" sz="3200" spc="-1" strike="noStrike">
+              <a:latin typeface="Arial"/>
+            </a:endParaRPr>
+          </a:p>
+          <a:p>
+            <a:pPr marL="432000" indent="-323280">
+              <a:lnSpc>
+                <a:spcPct val="100000"/>
+              </a:lnSpc>
               <a:spcBef>
                 <a:spcPts val="1417"/>
               </a:spcBef>
@@ -4215,8 +3866,9 @@
                   <a:srgbClr val="000000"/>
                 </a:solidFill>
                 <a:latin typeface="Arial"/>
-              </a:rPr>
-              <a:t>                                </a:t>
+                <a:ea typeface="DejaVu Sans"/>
+              </a:rPr>
+              <a:t>                              </a:t>
             </a:r>
             <a:r>
               <a:rPr b="0" lang="en-IN" sz="3200" spc="-1" strike="noStrike">
@@ -4224,13 +3876,11 @@
                   <a:srgbClr val="000000"/>
                 </a:solidFill>
                 <a:latin typeface="Arial"/>
+                <a:ea typeface="DejaVu Sans"/>
               </a:rPr>
               <a:t>-University of Florence</a:t>
             </a:r>
             <a:endParaRPr b="0" lang="en-IN" sz="3200" spc="-1" strike="noStrike">
-              <a:solidFill>
-                <a:srgbClr val="000000"/>
-              </a:solidFill>
               <a:latin typeface="Arial"/>
             </a:endParaRPr>
           </a:p>
@@ -4268,14 +3918,14 @@
       </p:grpSpPr>
       <p:sp>
         <p:nvSpPr>
-          <p:cNvPr id="93" name="TextShape 1"/>
-          <p:cNvSpPr txBox="1"/>
+          <p:cNvPr id="91" name="CustomShape 1"/>
+          <p:cNvSpPr/>
           <p:nvPr/>
         </p:nvSpPr>
         <p:spPr>
           <a:xfrm>
             <a:off x="311760" y="410040"/>
-            <a:ext cx="8520120" cy="607320"/>
+            <a:ext cx="8519400" cy="606600"/>
           </a:xfrm>
           <a:prstGeom prst="rect">
             <a:avLst/>
@@ -4285,8 +3935,14 @@
             <a:noFill/>
           </a:ln>
         </p:spPr>
-        <p:txBody>
-          <a:bodyPr tIns="91440" bIns="91440">
+        <p:style>
+          <a:lnRef idx="0"/>
+          <a:fillRef idx="0"/>
+          <a:effectRef idx="0"/>
+          <a:fontRef idx="minor"/>
+        </p:style>
+        <p:txBody>
+          <a:bodyPr lIns="90000" rIns="90000" tIns="91440" bIns="91440">
             <a:normAutofit fontScale="91000"/>
           </a:bodyPr>
           <a:p>
@@ -4309,24 +3965,21 @@
               <a:t>What We have seen so far…</a:t>
             </a:r>
             <a:endParaRPr b="0" lang="en-IN" sz="3000" spc="-1" strike="noStrike">
-              <a:solidFill>
-                <a:srgbClr val="000000"/>
-              </a:solidFill>
-              <a:latin typeface="Arial"/>
-            </a:endParaRPr>
-          </a:p>
-        </p:txBody>
-      </p:sp>
-      <p:sp>
-        <p:nvSpPr>
-          <p:cNvPr id="94" name="TextShape 2"/>
-          <p:cNvSpPr txBox="1"/>
+              <a:latin typeface="Arial"/>
+            </a:endParaRPr>
+          </a:p>
+        </p:txBody>
+      </p:sp>
+      <p:sp>
+        <p:nvSpPr>
+          <p:cNvPr id="92" name="CustomShape 2"/>
+          <p:cNvSpPr/>
           <p:nvPr/>
         </p:nvSpPr>
         <p:spPr>
           <a:xfrm>
             <a:off x="311760" y="1229760"/>
-            <a:ext cx="8520120" cy="3338640"/>
+            <a:ext cx="8519400" cy="3337920"/>
           </a:xfrm>
           <a:prstGeom prst="rect">
             <a:avLst/>
@@ -4336,8 +3989,14 @@
             <a:noFill/>
           </a:ln>
         </p:spPr>
-        <p:txBody>
-          <a:bodyPr tIns="91440" bIns="91440">
+        <p:style>
+          <a:lnRef idx="0"/>
+          <a:fillRef idx="0"/>
+          <a:effectRef idx="0"/>
+          <a:fontRef idx="minor"/>
+        </p:style>
+        <p:txBody>
+          <a:bodyPr lIns="90000" rIns="90000" tIns="91440" bIns="91440">
             <a:normAutofit/>
           </a:bodyPr>
           <a:p>
@@ -4360,9 +4019,6 @@
               <a:t>How Gram Schmidt works….</a:t>
             </a:r>
             <a:endParaRPr b="0" lang="en-IN" sz="2000" spc="-1" strike="noStrike">
-              <a:solidFill>
-                <a:srgbClr val="000000"/>
-              </a:solidFill>
               <a:latin typeface="Arial"/>
             </a:endParaRPr>
           </a:p>
@@ -4389,9 +4045,6 @@
               <a:t>1.Simulating a Panchromatic band</a:t>
             </a:r>
             <a:endParaRPr b="0" lang="en-IN" sz="2000" spc="-1" strike="noStrike">
-              <a:solidFill>
-                <a:srgbClr val="000000"/>
-              </a:solidFill>
               <a:latin typeface="Arial"/>
             </a:endParaRPr>
           </a:p>
@@ -4418,9 +4071,6 @@
               <a:t>2.Gram Schmidt transformation</a:t>
             </a:r>
             <a:endParaRPr b="0" lang="en-IN" sz="2000" spc="-1" strike="noStrike">
-              <a:solidFill>
-                <a:srgbClr val="000000"/>
-              </a:solidFill>
               <a:latin typeface="Arial"/>
             </a:endParaRPr>
           </a:p>
@@ -4447,9 +4097,6 @@
               <a:t>3.Swapping high spatial resolution Panchromatic band</a:t>
             </a:r>
             <a:endParaRPr b="0" lang="en-IN" sz="2000" spc="-1" strike="noStrike">
-              <a:solidFill>
-                <a:srgbClr val="000000"/>
-              </a:solidFill>
               <a:latin typeface="Arial"/>
             </a:endParaRPr>
           </a:p>
@@ -4479,9 +4126,6 @@
               <a:t>4.Inverse Gram Schmidt transform</a:t>
             </a:r>
             <a:endParaRPr b="0" lang="en-IN" sz="2000" spc="-1" strike="noStrike">
-              <a:solidFill>
-                <a:srgbClr val="000000"/>
-              </a:solidFill>
               <a:latin typeface="Arial"/>
             </a:endParaRPr>
           </a:p>
@@ -4519,14 +4163,14 @@
       </p:grpSpPr>
       <p:sp>
         <p:nvSpPr>
-          <p:cNvPr id="95" name="TextShape 1"/>
-          <p:cNvSpPr txBox="1"/>
+          <p:cNvPr id="93" name="CustomShape 1"/>
+          <p:cNvSpPr/>
           <p:nvPr/>
         </p:nvSpPr>
         <p:spPr>
           <a:xfrm>
             <a:off x="102240" y="360000"/>
-            <a:ext cx="8520120" cy="607320"/>
+            <a:ext cx="8519400" cy="606600"/>
           </a:xfrm>
           <a:prstGeom prst="rect">
             <a:avLst/>
@@ -4536,8 +4180,14 @@
             <a:noFill/>
           </a:ln>
         </p:spPr>
-        <p:txBody>
-          <a:bodyPr tIns="91440" bIns="91440">
+        <p:style>
+          <a:lnRef idx="0"/>
+          <a:fillRef idx="0"/>
+          <a:effectRef idx="0"/>
+          <a:fontRef idx="minor"/>
+        </p:style>
+        <p:txBody>
+          <a:bodyPr lIns="90000" rIns="90000" tIns="91440" bIns="91440">
             <a:normAutofit fontScale="91000"/>
           </a:bodyPr>
           <a:p>
@@ -4561,24 +4211,21 @@
               <a:t>CHALLENGES</a:t>
             </a:r>
             <a:endParaRPr b="0" lang="en-IN" sz="3000" spc="-1" strike="noStrike">
-              <a:solidFill>
-                <a:srgbClr val="000000"/>
-              </a:solidFill>
-              <a:latin typeface="Arial"/>
-            </a:endParaRPr>
-          </a:p>
-        </p:txBody>
-      </p:sp>
-      <p:sp>
-        <p:nvSpPr>
-          <p:cNvPr id="96" name="TextShape 2"/>
-          <p:cNvSpPr txBox="1"/>
+              <a:latin typeface="Arial"/>
+            </a:endParaRPr>
+          </a:p>
+        </p:txBody>
+      </p:sp>
+      <p:sp>
+        <p:nvSpPr>
+          <p:cNvPr id="94" name="CustomShape 2"/>
+          <p:cNvSpPr/>
           <p:nvPr/>
         </p:nvSpPr>
         <p:spPr>
           <a:xfrm>
             <a:off x="311760" y="1229760"/>
-            <a:ext cx="8520120" cy="3338640"/>
+            <a:ext cx="8519400" cy="3337920"/>
           </a:xfrm>
           <a:prstGeom prst="rect">
             <a:avLst/>
@@ -4588,8 +4235,14 @@
             <a:noFill/>
           </a:ln>
         </p:spPr>
-        <p:txBody>
-          <a:bodyPr tIns="91440" bIns="91440">
+        <p:style>
+          <a:lnRef idx="0"/>
+          <a:fillRef idx="0"/>
+          <a:effectRef idx="0"/>
+          <a:fontRef idx="minor"/>
+        </p:style>
+        <p:txBody>
+          <a:bodyPr lIns="90000" rIns="90000" tIns="91440" bIns="91440">
             <a:normAutofit/>
           </a:bodyPr>
           <a:p>
@@ -4612,9 +4265,6 @@
               <a:t>1.Band Overlaps</a:t>
             </a:r>
             <a:endParaRPr b="0" lang="en-IN" sz="1800" spc="-1" strike="noStrike">
-              <a:solidFill>
-                <a:srgbClr val="000000"/>
-              </a:solidFill>
               <a:latin typeface="Arial"/>
             </a:endParaRPr>
           </a:p>
@@ -4641,9 +4291,6 @@
               <a:t>2.Band outside PAN Bandwidth</a:t>
             </a:r>
             <a:endParaRPr b="0" lang="en-IN" sz="1800" spc="-1" strike="noStrike">
-              <a:solidFill>
-                <a:srgbClr val="000000"/>
-              </a:solidFill>
               <a:latin typeface="Arial"/>
             </a:endParaRPr>
           </a:p>
@@ -4670,9 +4317,6 @@
               <a:t>3.Extended Spectral Response of PAN</a:t>
             </a:r>
             <a:endParaRPr b="0" lang="en-IN" sz="1800" spc="-1" strike="noStrike">
-              <a:solidFill>
-                <a:srgbClr val="000000"/>
-              </a:solidFill>
               <a:latin typeface="Arial"/>
             </a:endParaRPr>
           </a:p>
@@ -4702,9 +4346,6 @@
               <a:t>4.Color Distortion</a:t>
             </a:r>
             <a:endParaRPr b="0" lang="en-IN" sz="1800" spc="-1" strike="noStrike">
-              <a:solidFill>
-                <a:srgbClr val="000000"/>
-              </a:solidFill>
               <a:latin typeface="Arial"/>
             </a:endParaRPr>
           </a:p>
@@ -4742,14 +4383,14 @@
       </p:grpSpPr>
       <p:sp>
         <p:nvSpPr>
-          <p:cNvPr id="97" name="TextShape 1"/>
-          <p:cNvSpPr txBox="1"/>
+          <p:cNvPr id="95" name="CustomShape 1"/>
+          <p:cNvSpPr/>
           <p:nvPr/>
         </p:nvSpPr>
         <p:spPr>
           <a:xfrm>
             <a:off x="311760" y="410040"/>
-            <a:ext cx="8520120" cy="607320"/>
+            <a:ext cx="8519400" cy="606600"/>
           </a:xfrm>
           <a:prstGeom prst="rect">
             <a:avLst/>
@@ -4759,8 +4400,14 @@
             <a:noFill/>
           </a:ln>
         </p:spPr>
-        <p:txBody>
-          <a:bodyPr tIns="91440" bIns="91440">
+        <p:style>
+          <a:lnRef idx="0"/>
+          <a:fillRef idx="0"/>
+          <a:effectRef idx="0"/>
+          <a:fontRef idx="minor"/>
+        </p:style>
+        <p:txBody>
+          <a:bodyPr lIns="90000" rIns="90000" tIns="91440" bIns="91440">
             <a:normAutofit fontScale="32000"/>
           </a:bodyPr>
           <a:p>
@@ -4784,24 +4431,21 @@
               <a:t>ENHANCED GRAM SCHMIDT IMAGE FUSION</a:t>
             </a:r>
             <a:endParaRPr b="0" lang="en-IN" sz="3000" spc="-1" strike="noStrike">
-              <a:solidFill>
-                <a:srgbClr val="000000"/>
-              </a:solidFill>
-              <a:latin typeface="Arial"/>
-            </a:endParaRPr>
-          </a:p>
-        </p:txBody>
-      </p:sp>
-      <p:sp>
-        <p:nvSpPr>
-          <p:cNvPr id="98" name="TextShape 2"/>
-          <p:cNvSpPr txBox="1"/>
+              <a:latin typeface="Arial"/>
+            </a:endParaRPr>
+          </a:p>
+        </p:txBody>
+      </p:sp>
+      <p:sp>
+        <p:nvSpPr>
+          <p:cNvPr id="96" name="CustomShape 2"/>
+          <p:cNvSpPr/>
           <p:nvPr/>
         </p:nvSpPr>
         <p:spPr>
           <a:xfrm>
             <a:off x="311760" y="1229760"/>
-            <a:ext cx="8520120" cy="3338640"/>
+            <a:ext cx="8519400" cy="3337920"/>
           </a:xfrm>
           <a:prstGeom prst="rect">
             <a:avLst/>
@@ -4811,8 +4455,14 @@
             <a:noFill/>
           </a:ln>
         </p:spPr>
-        <p:txBody>
-          <a:bodyPr tIns="91440" bIns="91440">
+        <p:style>
+          <a:lnRef idx="0"/>
+          <a:fillRef idx="0"/>
+          <a:effectRef idx="0"/>
+          <a:fontRef idx="minor"/>
+        </p:style>
+        <p:txBody>
+          <a:bodyPr lIns="90000" rIns="90000" tIns="91440" bIns="91440">
             <a:normAutofit/>
           </a:bodyPr>
           <a:p>
@@ -4858,9 +4508,6 @@
               <a:t>.</a:t>
             </a:r>
             <a:endParaRPr b="0" lang="en-IN" sz="2400" spc="-1" strike="noStrike">
-              <a:solidFill>
-                <a:srgbClr val="000000"/>
-              </a:solidFill>
               <a:latin typeface="Arial"/>
             </a:endParaRPr>
           </a:p>
@@ -4898,14 +4545,14 @@
       </p:grpSpPr>
       <p:sp>
         <p:nvSpPr>
-          <p:cNvPr id="99" name="TextShape 1"/>
-          <p:cNvSpPr txBox="1"/>
+          <p:cNvPr id="97" name="CustomShape 1"/>
+          <p:cNvSpPr/>
           <p:nvPr/>
         </p:nvSpPr>
         <p:spPr>
           <a:xfrm>
             <a:off x="311760" y="410040"/>
-            <a:ext cx="8520120" cy="607320"/>
+            <a:ext cx="8519400" cy="606600"/>
           </a:xfrm>
           <a:prstGeom prst="rect">
             <a:avLst/>
@@ -4915,8 +4562,14 @@
             <a:noFill/>
           </a:ln>
         </p:spPr>
-        <p:txBody>
-          <a:bodyPr tIns="91440" bIns="91440">
+        <p:style>
+          <a:lnRef idx="0"/>
+          <a:fillRef idx="0"/>
+          <a:effectRef idx="0"/>
+          <a:fontRef idx="minor"/>
+        </p:style>
+        <p:txBody>
+          <a:bodyPr lIns="90000" rIns="90000" tIns="91440" bIns="91440">
             <a:normAutofit fontScale="91000"/>
           </a:bodyPr>
           <a:p>
@@ -4940,24 +4593,21 @@
               <a:t>PROCESS</a:t>
             </a:r>
             <a:endParaRPr b="0" lang="en-IN" sz="3000" spc="-1" strike="noStrike">
-              <a:solidFill>
-                <a:srgbClr val="000000"/>
-              </a:solidFill>
-              <a:latin typeface="Arial"/>
-            </a:endParaRPr>
-          </a:p>
-        </p:txBody>
-      </p:sp>
-      <p:sp>
-        <p:nvSpPr>
-          <p:cNvPr id="100" name="TextShape 2"/>
-          <p:cNvSpPr txBox="1"/>
+              <a:latin typeface="Arial"/>
+            </a:endParaRPr>
+          </a:p>
+        </p:txBody>
+      </p:sp>
+      <p:sp>
+        <p:nvSpPr>
+          <p:cNvPr id="98" name="CustomShape 2"/>
+          <p:cNvSpPr/>
           <p:nvPr/>
         </p:nvSpPr>
         <p:spPr>
           <a:xfrm>
             <a:off x="311760" y="1229760"/>
-            <a:ext cx="8520120" cy="3338640"/>
+            <a:ext cx="8519400" cy="3337920"/>
           </a:xfrm>
           <a:prstGeom prst="rect">
             <a:avLst/>
@@ -4967,9 +4617,15 @@
             <a:noFill/>
           </a:ln>
         </p:spPr>
-        <p:txBody>
-          <a:bodyPr tIns="91440" bIns="91440">
-            <a:normAutofit fontScale="74000"/>
+        <p:style>
+          <a:lnRef idx="0"/>
+          <a:fillRef idx="0"/>
+          <a:effectRef idx="0"/>
+          <a:fontRef idx="minor"/>
+        </p:style>
+        <p:txBody>
+          <a:bodyPr lIns="90000" rIns="90000" tIns="91440" bIns="91440">
+            <a:normAutofit fontScale="73000"/>
           </a:bodyPr>
           <a:p>
             <a:pPr>
@@ -4991,9 +4647,6 @@
               <a:t>1) Reduce the original full resolution Pan image to the size of the MS images. Let denote this image as P.</a:t>
             </a:r>
             <a:endParaRPr b="0" lang="en-IN" sz="1800" spc="-1" strike="noStrike">
-              <a:solidFill>
-                <a:srgbClr val="000000"/>
-              </a:solidFill>
               <a:latin typeface="Arial"/>
             </a:endParaRPr>
           </a:p>
@@ -5030,9 +4683,6 @@
               <a:t>2) Assume a model according to which, at every pixel position it holds that: </a:t>
             </a:r>
             <a:endParaRPr b="0" lang="en-IN" sz="1800" spc="-1" strike="noStrike">
-              <a:solidFill>
-                <a:srgbClr val="000000"/>
-              </a:solidFill>
               <a:latin typeface="Arial"/>
             </a:endParaRPr>
           </a:p>
@@ -5069,9 +4719,6 @@
               <a:t>P = α · B + β · G + γ · R + δ · NIR +e </a:t>
             </a:r>
             <a:endParaRPr b="0" lang="en-IN" sz="1800" spc="-1" strike="noStrike">
-              <a:solidFill>
-                <a:srgbClr val="000000"/>
-              </a:solidFill>
               <a:latin typeface="Arial"/>
             </a:endParaRPr>
           </a:p>
@@ -5098,9 +4745,6 @@
               <a:t>where α, β, γ, δ and  are scalar constants.</a:t>
             </a:r>
             <a:endParaRPr b="0" lang="en-IN" sz="1800" spc="-1" strike="noStrike">
-              <a:solidFill>
-                <a:srgbClr val="000000"/>
-              </a:solidFill>
               <a:latin typeface="Arial"/>
             </a:endParaRPr>
           </a:p>
@@ -5157,9 +4801,6 @@
               <a:t>.</a:t>
             </a:r>
             <a:endParaRPr b="0" lang="en-IN" sz="1800" spc="-1" strike="noStrike">
-              <a:solidFill>
-                <a:srgbClr val="000000"/>
-              </a:solidFill>
               <a:latin typeface="Arial"/>
             </a:endParaRPr>
           </a:p>
@@ -5199,9 +4840,6 @@
               <a:t>4) Take Pˆ as the simulated Pan image to be given as input to the GS procedure.</a:t>
             </a:r>
             <a:endParaRPr b="0" lang="en-IN" sz="1800" spc="-1" strike="noStrike">
-              <a:solidFill>
-                <a:srgbClr val="000000"/>
-              </a:solidFill>
               <a:latin typeface="Arial"/>
             </a:endParaRPr>
           </a:p>
@@ -5239,14 +4877,14 @@
       </p:grpSpPr>
       <p:sp>
         <p:nvSpPr>
-          <p:cNvPr id="101" name="TextShape 1"/>
-          <p:cNvSpPr txBox="1"/>
+          <p:cNvPr id="99" name="CustomShape 1"/>
+          <p:cNvSpPr/>
           <p:nvPr/>
         </p:nvSpPr>
         <p:spPr>
           <a:xfrm>
             <a:off x="311760" y="1229760"/>
-            <a:ext cx="8520120" cy="3338640"/>
+            <a:ext cx="8519400" cy="3337920"/>
           </a:xfrm>
           <a:prstGeom prst="rect">
             <a:avLst/>
@@ -5256,8 +4894,14 @@
             <a:noFill/>
           </a:ln>
         </p:spPr>
-        <p:txBody>
-          <a:bodyPr tIns="91440" bIns="91440">
+        <p:style>
+          <a:lnRef idx="0"/>
+          <a:fillRef idx="0"/>
+          <a:effectRef idx="0"/>
+          <a:fontRef idx="minor"/>
+        </p:style>
+        <p:txBody>
+          <a:bodyPr lIns="90000" rIns="90000" tIns="91440" bIns="91440">
             <a:normAutofit/>
           </a:bodyPr>
           <a:p>
@@ -5280,9 +4924,6 @@
               <a:t>       </a:t>
             </a:r>
             <a:endParaRPr b="0" lang="en-IN" sz="1800" spc="-1" strike="noStrike">
-              <a:solidFill>
-                <a:srgbClr val="000000"/>
-              </a:solidFill>
               <a:latin typeface="Arial"/>
             </a:endParaRPr>
           </a:p>
@@ -5299,9 +4940,6 @@
               </a:tabLst>
             </a:pPr>
             <a:endParaRPr b="0" lang="en-IN" sz="1800" spc="-1" strike="noStrike">
-              <a:solidFill>
-                <a:srgbClr val="000000"/>
-              </a:solidFill>
               <a:latin typeface="Arial"/>
             </a:endParaRPr>
           </a:p>
@@ -5338,9 +4976,6 @@
               <a:t>THANKYOU</a:t>
             </a:r>
             <a:endParaRPr b="0" lang="en-IN" sz="4300" spc="-1" strike="noStrike">
-              <a:solidFill>
-                <a:srgbClr val="000000"/>
-              </a:solidFill>
               <a:latin typeface="Arial"/>
             </a:endParaRPr>
           </a:p>
@@ -5370,9 +5005,6 @@
               <a:t>                                     </a:t>
             </a:r>
             <a:endParaRPr b="0" lang="en-IN" sz="1800" spc="-1" strike="noStrike">
-              <a:solidFill>
-                <a:srgbClr val="000000"/>
-              </a:solidFill>
               <a:latin typeface="Arial"/>
             </a:endParaRPr>
           </a:p>
